--- a/2023/UNIT-1-BigData.pptx
+++ b/2023/UNIT-1-BigData.pptx
@@ -5,10 +5,10 @@
     <p:sldMasterId id="2147483648" r:id="rId4"/>
   </p:sldMasterIdLst>
   <p:notesMasterIdLst>
-    <p:notesMasterId r:id="rId36"/>
+    <p:notesMasterId r:id="rId40"/>
   </p:notesMasterIdLst>
   <p:handoutMasterIdLst>
-    <p:handoutMasterId r:id="rId37"/>
+    <p:handoutMasterId r:id="rId41"/>
   </p:handoutMasterIdLst>
   <p:sldIdLst>
     <p:sldId id="256" r:id="rId5"/>
@@ -31,17 +31,21 @@
     <p:sldId id="732" r:id="rId22"/>
     <p:sldId id="733" r:id="rId23"/>
     <p:sldId id="734" r:id="rId24"/>
-    <p:sldId id="735" r:id="rId25"/>
-    <p:sldId id="739" r:id="rId26"/>
-    <p:sldId id="740" r:id="rId27"/>
-    <p:sldId id="741" r:id="rId28"/>
-    <p:sldId id="742" r:id="rId29"/>
-    <p:sldId id="754" r:id="rId30"/>
-    <p:sldId id="743" r:id="rId31"/>
-    <p:sldId id="752" r:id="rId32"/>
-    <p:sldId id="753" r:id="rId33"/>
-    <p:sldId id="755" r:id="rId34"/>
-    <p:sldId id="285" r:id="rId35"/>
+    <p:sldId id="757" r:id="rId25"/>
+    <p:sldId id="735" r:id="rId26"/>
+    <p:sldId id="739" r:id="rId27"/>
+    <p:sldId id="758" r:id="rId28"/>
+    <p:sldId id="759" r:id="rId29"/>
+    <p:sldId id="740" r:id="rId30"/>
+    <p:sldId id="741" r:id="rId31"/>
+    <p:sldId id="760" r:id="rId32"/>
+    <p:sldId id="742" r:id="rId33"/>
+    <p:sldId id="754" r:id="rId34"/>
+    <p:sldId id="743" r:id="rId35"/>
+    <p:sldId id="752" r:id="rId36"/>
+    <p:sldId id="753" r:id="rId37"/>
+    <p:sldId id="755" r:id="rId38"/>
+    <p:sldId id="285" r:id="rId39"/>
   </p:sldIdLst>
   <p:sldSz cx="12192000" cy="6858000"/>
   <p:notesSz cx="6858000" cy="9144000"/>
@@ -2054,7 +2058,7 @@
     </p:spTree>
     <p:extLst>
       <p:ext uri="{BB962C8B-B14F-4D97-AF65-F5344CB8AC3E}">
-        <p14:creationId xmlns:p14="http://schemas.microsoft.com/office/powerpoint/2010/main" val="501403071"/>
+        <p14:creationId xmlns:p14="http://schemas.microsoft.com/office/powerpoint/2010/main" val="4108267406"/>
       </p:ext>
     </p:extLst>
   </p:cSld>
@@ -2138,7 +2142,7 @@
     </p:spTree>
     <p:extLst>
       <p:ext uri="{BB962C8B-B14F-4D97-AF65-F5344CB8AC3E}">
-        <p14:creationId xmlns:p14="http://schemas.microsoft.com/office/powerpoint/2010/main" val="528660950"/>
+        <p14:creationId xmlns:p14="http://schemas.microsoft.com/office/powerpoint/2010/main" val="501403071"/>
       </p:ext>
     </p:extLst>
   </p:cSld>
@@ -2222,7 +2226,7 @@
     </p:spTree>
     <p:extLst>
       <p:ext uri="{BB962C8B-B14F-4D97-AF65-F5344CB8AC3E}">
-        <p14:creationId xmlns:p14="http://schemas.microsoft.com/office/powerpoint/2010/main" val="635579712"/>
+        <p14:creationId xmlns:p14="http://schemas.microsoft.com/office/powerpoint/2010/main" val="528660950"/>
       </p:ext>
     </p:extLst>
   </p:cSld>
@@ -2297,7 +2301,259 @@
           <a:p>
             <a:fld id="{BE60DC36-8EFA-4378-9855-E019C55AC472}" type="slidenum">
               <a:rPr lang="en-US" smtClean="0"/>
-              <a:t>31</a:t>
+              <a:t>24</a:t>
+            </a:fld>
+            <a:endParaRPr lang="en-US" dirty="0"/>
+          </a:p>
+        </p:txBody>
+      </p:sp>
+    </p:spTree>
+    <p:extLst>
+      <p:ext uri="{BB962C8B-B14F-4D97-AF65-F5344CB8AC3E}">
+        <p14:creationId xmlns:p14="http://schemas.microsoft.com/office/powerpoint/2010/main" val="1383547749"/>
+      </p:ext>
+    </p:extLst>
+  </p:cSld>
+  <p:clrMapOvr>
+    <a:masterClrMapping/>
+  </p:clrMapOvr>
+</p:notes>
+</file>
+
+<file path=ppt/notesSlides/notesSlide15.xml><?xml version="1.0" encoding="utf-8"?>
+<p:notes xmlns:a="http://schemas.openxmlformats.org/drawingml/2006/main" xmlns:r="http://schemas.openxmlformats.org/officeDocument/2006/relationships" xmlns:p="http://schemas.openxmlformats.org/presentationml/2006/main">
+  <p:cSld>
+    <p:spTree>
+      <p:nvGrpSpPr>
+        <p:cNvPr id="1" name=""/>
+        <p:cNvGrpSpPr/>
+        <p:nvPr/>
+      </p:nvGrpSpPr>
+      <p:grpSpPr>
+        <a:xfrm>
+          <a:off x="0" y="0"/>
+          <a:ext cx="0" cy="0"/>
+          <a:chOff x="0" y="0"/>
+          <a:chExt cx="0" cy="0"/>
+        </a:xfrm>
+      </p:grpSpPr>
+      <p:sp>
+        <p:nvSpPr>
+          <p:cNvPr id="2" name="Slide Image Placeholder 1"/>
+          <p:cNvSpPr>
+            <a:spLocks noGrp="1" noRot="1" noChangeAspect="1"/>
+          </p:cNvSpPr>
+          <p:nvPr>
+            <p:ph type="sldImg"/>
+          </p:nvPr>
+        </p:nvSpPr>
+        <p:spPr/>
+      </p:sp>
+      <p:sp>
+        <p:nvSpPr>
+          <p:cNvPr id="3" name="Notes Placeholder 2"/>
+          <p:cNvSpPr>
+            <a:spLocks noGrp="1"/>
+          </p:cNvSpPr>
+          <p:nvPr>
+            <p:ph type="body" idx="1"/>
+          </p:nvPr>
+        </p:nvSpPr>
+        <p:spPr/>
+        <p:txBody>
+          <a:bodyPr/>
+          <a:lstStyle/>
+          <a:p>
+            <a:endParaRPr lang="en-US" dirty="0"/>
+          </a:p>
+        </p:txBody>
+      </p:sp>
+      <p:sp>
+        <p:nvSpPr>
+          <p:cNvPr id="4" name="Slide Number Placeholder 3"/>
+          <p:cNvSpPr>
+            <a:spLocks noGrp="1"/>
+          </p:cNvSpPr>
+          <p:nvPr>
+            <p:ph type="sldNum" sz="quarter" idx="5"/>
+          </p:nvPr>
+        </p:nvSpPr>
+        <p:spPr/>
+        <p:txBody>
+          <a:bodyPr/>
+          <a:lstStyle/>
+          <a:p>
+            <a:fld id="{BE60DC36-8EFA-4378-9855-E019C55AC472}" type="slidenum">
+              <a:rPr lang="en-US" smtClean="0"/>
+              <a:t>25</a:t>
+            </a:fld>
+            <a:endParaRPr lang="en-US" dirty="0"/>
+          </a:p>
+        </p:txBody>
+      </p:sp>
+    </p:spTree>
+    <p:extLst>
+      <p:ext uri="{BB962C8B-B14F-4D97-AF65-F5344CB8AC3E}">
+        <p14:creationId xmlns:p14="http://schemas.microsoft.com/office/powerpoint/2010/main" val="3493300761"/>
+      </p:ext>
+    </p:extLst>
+  </p:cSld>
+  <p:clrMapOvr>
+    <a:masterClrMapping/>
+  </p:clrMapOvr>
+</p:notes>
+</file>
+
+<file path=ppt/notesSlides/notesSlide16.xml><?xml version="1.0" encoding="utf-8"?>
+<p:notes xmlns:a="http://schemas.openxmlformats.org/drawingml/2006/main" xmlns:r="http://schemas.openxmlformats.org/officeDocument/2006/relationships" xmlns:p="http://schemas.openxmlformats.org/presentationml/2006/main">
+  <p:cSld>
+    <p:spTree>
+      <p:nvGrpSpPr>
+        <p:cNvPr id="1" name=""/>
+        <p:cNvGrpSpPr/>
+        <p:nvPr/>
+      </p:nvGrpSpPr>
+      <p:grpSpPr>
+        <a:xfrm>
+          <a:off x="0" y="0"/>
+          <a:ext cx="0" cy="0"/>
+          <a:chOff x="0" y="0"/>
+          <a:chExt cx="0" cy="0"/>
+        </a:xfrm>
+      </p:grpSpPr>
+      <p:sp>
+        <p:nvSpPr>
+          <p:cNvPr id="2" name="Slide Image Placeholder 1"/>
+          <p:cNvSpPr>
+            <a:spLocks noGrp="1" noRot="1" noChangeAspect="1"/>
+          </p:cNvSpPr>
+          <p:nvPr>
+            <p:ph type="sldImg"/>
+          </p:nvPr>
+        </p:nvSpPr>
+        <p:spPr/>
+      </p:sp>
+      <p:sp>
+        <p:nvSpPr>
+          <p:cNvPr id="3" name="Notes Placeholder 2"/>
+          <p:cNvSpPr>
+            <a:spLocks noGrp="1"/>
+          </p:cNvSpPr>
+          <p:nvPr>
+            <p:ph type="body" idx="1"/>
+          </p:nvPr>
+        </p:nvSpPr>
+        <p:spPr/>
+        <p:txBody>
+          <a:bodyPr/>
+          <a:lstStyle/>
+          <a:p>
+            <a:endParaRPr lang="en-US" dirty="0"/>
+          </a:p>
+        </p:txBody>
+      </p:sp>
+      <p:sp>
+        <p:nvSpPr>
+          <p:cNvPr id="4" name="Slide Number Placeholder 3"/>
+          <p:cNvSpPr>
+            <a:spLocks noGrp="1"/>
+          </p:cNvSpPr>
+          <p:nvPr>
+            <p:ph type="sldNum" sz="quarter" idx="5"/>
+          </p:nvPr>
+        </p:nvSpPr>
+        <p:spPr/>
+        <p:txBody>
+          <a:bodyPr/>
+          <a:lstStyle/>
+          <a:p>
+            <a:fld id="{BE60DC36-8EFA-4378-9855-E019C55AC472}" type="slidenum">
+              <a:rPr lang="en-US" smtClean="0"/>
+              <a:t>26</a:t>
+            </a:fld>
+            <a:endParaRPr lang="en-US" dirty="0"/>
+          </a:p>
+        </p:txBody>
+      </p:sp>
+    </p:spTree>
+    <p:extLst>
+      <p:ext uri="{BB962C8B-B14F-4D97-AF65-F5344CB8AC3E}">
+        <p14:creationId xmlns:p14="http://schemas.microsoft.com/office/powerpoint/2010/main" val="635579712"/>
+      </p:ext>
+    </p:extLst>
+  </p:cSld>
+  <p:clrMapOvr>
+    <a:masterClrMapping/>
+  </p:clrMapOvr>
+</p:notes>
+</file>
+
+<file path=ppt/notesSlides/notesSlide17.xml><?xml version="1.0" encoding="utf-8"?>
+<p:notes xmlns:a="http://schemas.openxmlformats.org/drawingml/2006/main" xmlns:r="http://schemas.openxmlformats.org/officeDocument/2006/relationships" xmlns:p="http://schemas.openxmlformats.org/presentationml/2006/main">
+  <p:cSld>
+    <p:spTree>
+      <p:nvGrpSpPr>
+        <p:cNvPr id="1" name=""/>
+        <p:cNvGrpSpPr/>
+        <p:nvPr/>
+      </p:nvGrpSpPr>
+      <p:grpSpPr>
+        <a:xfrm>
+          <a:off x="0" y="0"/>
+          <a:ext cx="0" cy="0"/>
+          <a:chOff x="0" y="0"/>
+          <a:chExt cx="0" cy="0"/>
+        </a:xfrm>
+      </p:grpSpPr>
+      <p:sp>
+        <p:nvSpPr>
+          <p:cNvPr id="2" name="Slide Image Placeholder 1"/>
+          <p:cNvSpPr>
+            <a:spLocks noGrp="1" noRot="1" noChangeAspect="1"/>
+          </p:cNvSpPr>
+          <p:nvPr>
+            <p:ph type="sldImg"/>
+          </p:nvPr>
+        </p:nvSpPr>
+        <p:spPr/>
+      </p:sp>
+      <p:sp>
+        <p:nvSpPr>
+          <p:cNvPr id="3" name="Notes Placeholder 2"/>
+          <p:cNvSpPr>
+            <a:spLocks noGrp="1"/>
+          </p:cNvSpPr>
+          <p:nvPr>
+            <p:ph type="body" idx="1"/>
+          </p:nvPr>
+        </p:nvSpPr>
+        <p:spPr/>
+        <p:txBody>
+          <a:bodyPr/>
+          <a:lstStyle/>
+          <a:p>
+            <a:endParaRPr lang="en-US" dirty="0"/>
+          </a:p>
+        </p:txBody>
+      </p:sp>
+      <p:sp>
+        <p:nvSpPr>
+          <p:cNvPr id="4" name="Slide Number Placeholder 3"/>
+          <p:cNvSpPr>
+            <a:spLocks noGrp="1"/>
+          </p:cNvSpPr>
+          <p:nvPr>
+            <p:ph type="sldNum" sz="quarter" idx="5"/>
+          </p:nvPr>
+        </p:nvSpPr>
+        <p:spPr/>
+        <p:txBody>
+          <a:bodyPr/>
+          <a:lstStyle/>
+          <a:p>
+            <a:fld id="{BE60DC36-8EFA-4378-9855-E019C55AC472}" type="slidenum">
+              <a:rPr lang="en-US" smtClean="0"/>
+              <a:t>35</a:t>
             </a:fld>
             <a:endParaRPr lang="en-US" dirty="0"/>
           </a:p>
@@ -10380,7 +10636,7 @@
               <a:rPr lang="en-US" sz="2400" dirty="0">
                 <a:latin typeface="+mj-lt"/>
               </a:rPr>
-              <a:t>Data is organized in the form of free text, graphs, charts or tables</a:t>
+              <a:t>Data can be organized in the form of free text, images, graphs, tables</a:t>
             </a:r>
           </a:p>
           <a:p>
@@ -12026,13 +12282,13 @@
               </a:spcBef>
             </a:pPr>
             <a:r>
-              <a:rPr lang="en-US" sz="2000" dirty="0">
+              <a:rPr lang="en-US" sz="2000" b="1" dirty="0">
                 <a:solidFill>
                   <a:schemeClr val="tx1"/>
                 </a:solidFill>
                 <a:latin typeface="+mj-lt"/>
               </a:rPr>
-              <a:t>facts and information that come directly from the company’s systems and are specific to the company in question</a:t>
+              <a:t>Information that comes directly from the company’s systems and are specific to the company in question</a:t>
             </a:r>
           </a:p>
           <a:p>
@@ -12847,13 +13103,13 @@
               </a:spcBef>
             </a:pPr>
             <a:r>
-              <a:rPr lang="en-US" sz="2000" dirty="0">
+              <a:rPr lang="en-US" sz="2000" b="1" dirty="0">
                 <a:solidFill>
                   <a:schemeClr val="tx1"/>
                 </a:solidFill>
                 <a:latin typeface="+mj-lt"/>
               </a:rPr>
-              <a:t>facts and information that come directly from the company’s systems and are specific to the company in question</a:t>
+              <a:t>Information that comes directly from the company’s systems and are specific to the company in question</a:t>
             </a:r>
           </a:p>
           <a:p>
@@ -13419,16 +13675,16 @@
               </a:spcBef>
             </a:pPr>
             <a:r>
-              <a:rPr lang="en-US" sz="2000" dirty="0">
+              <a:rPr lang="en-US" sz="2000" b="1" dirty="0">
                 <a:solidFill>
                   <a:schemeClr val="tx1"/>
                 </a:solidFill>
                 <a:latin typeface="+mj-lt"/>
               </a:rPr>
-              <a:t>facts and information that come from outside of company’s or provided 3</a:t>
+              <a:t>Information that comes from outside of company’s or provided 3</a:t>
             </a:r>
             <a:r>
-              <a:rPr lang="en-US" sz="2000" baseline="30000" dirty="0">
+              <a:rPr lang="en-US" sz="2000" b="1" baseline="30000" dirty="0">
                 <a:solidFill>
                   <a:schemeClr val="tx1"/>
                 </a:solidFill>
@@ -13437,7 +13693,7 @@
               <a:t>rd</a:t>
             </a:r>
             <a:r>
-              <a:rPr lang="en-US" sz="2000" dirty="0">
+              <a:rPr lang="en-US" sz="2000" b="1" dirty="0">
                 <a:solidFill>
                   <a:schemeClr val="tx1"/>
                 </a:solidFill>
@@ -13445,6 +13701,20 @@
               </a:rPr>
               <a:t> party vendor.</a:t>
             </a:r>
+          </a:p>
+          <a:p>
+            <a:pPr>
+              <a:spcBef>
+                <a:spcPts val="600"/>
+              </a:spcBef>
+            </a:pPr>
+            <a:endParaRPr lang="en-US" sz="2000" dirty="0">
+              <a:solidFill>
+                <a:schemeClr val="tx1"/>
+              </a:solidFill>
+              <a:latin typeface="+mj-lt"/>
+              <a:cs typeface="Arial" panose="020B0604020202020204" pitchFamily="34" charset="0"/>
+            </a:endParaRPr>
           </a:p>
           <a:p>
             <a:pPr>
@@ -13556,7 +13826,7 @@
                 <a:ea typeface="Calibri" panose="020F0502020204030204" pitchFamily="34" charset="0"/>
                 <a:cs typeface="Arial" panose="020B0604020202020204" pitchFamily="34" charset="0"/>
               </a:rPr>
-              <a:t>Business Partners </a:t>
+              <a:t>Business Partners** </a:t>
             </a:r>
             <a:endParaRPr lang="en-IN" sz="1800" dirty="0">
               <a:solidFill>
@@ -14462,7 +14732,7 @@
             </a:ln>
             <a:extLst>
               <a:ext uri="{91240B29-F687-4f45-9708-019B960494DF}">
-                <a14:hiddenLine xmlns="" xmlns:a14="http://schemas.microsoft.com/office/drawing/2010/main" w="9525">
+                <a14:hiddenLine xmlns:a14="http://schemas.microsoft.com/office/drawing/2010/main" xmlns="" w="9525">
                   <a:solidFill>
                     <a:srgbClr val="000000"/>
                   </a:solidFill>
@@ -15140,7 +15410,7 @@
             </a:ln>
             <a:extLst>
               <a:ext uri="{91240B29-F687-4f45-9708-019B960494DF}">
-                <a14:hiddenLine xmlns="" xmlns:a14="http://schemas.microsoft.com/office/drawing/2010/main" w="9525">
+                <a14:hiddenLine xmlns:a14="http://schemas.microsoft.com/office/drawing/2010/main" xmlns="" w="9525">
                   <a:solidFill>
                     <a:srgbClr val="000000"/>
                   </a:solidFill>
@@ -15927,7 +16197,7 @@
             </a:ln>
             <a:extLst>
               <a:ext uri="{91240B29-F687-4f45-9708-019B960494DF}">
-                <a14:hiddenLine xmlns="" xmlns:a14="http://schemas.microsoft.com/office/drawing/2010/main" w="9525">
+                <a14:hiddenLine xmlns:a14="http://schemas.microsoft.com/office/drawing/2010/main" xmlns="" w="9525">
                   <a:solidFill>
                     <a:srgbClr val="000000"/>
                   </a:solidFill>
@@ -16605,7 +16875,7 @@
             </a:ln>
             <a:extLst>
               <a:ext uri="{91240B29-F687-4f45-9708-019B960494DF}">
-                <a14:hiddenLine xmlns="" xmlns:a14="http://schemas.microsoft.com/office/drawing/2010/main" w="9525">
+                <a14:hiddenLine xmlns:a14="http://schemas.microsoft.com/office/drawing/2010/main" xmlns="" w="9525">
                   <a:solidFill>
                     <a:srgbClr val="000000"/>
                   </a:solidFill>
@@ -16834,7 +17104,7 @@
             </a:ln>
             <a:extLst>
               <a:ext uri="{91240B29-F687-4f45-9708-019B960494DF}">
-                <a14:hiddenLine xmlns="" xmlns:a14="http://schemas.microsoft.com/office/drawing/2010/main" w="9525">
+                <a14:hiddenLine xmlns:a14="http://schemas.microsoft.com/office/drawing/2010/main" xmlns="" w="9525">
                   <a:solidFill>
                     <a:srgbClr val="000000"/>
                   </a:solidFill>
@@ -17512,7 +17782,7 @@
             </a:ln>
             <a:extLst>
               <a:ext uri="{91240B29-F687-4f45-9708-019B960494DF}">
-                <a14:hiddenLine xmlns="" xmlns:a14="http://schemas.microsoft.com/office/drawing/2010/main" w="9525">
+                <a14:hiddenLine xmlns:a14="http://schemas.microsoft.com/office/drawing/2010/main" xmlns="" w="9525">
                   <a:solidFill>
                     <a:srgbClr val="000000"/>
                   </a:solidFill>
@@ -18462,7 +18732,7 @@
             </a:ln>
             <a:extLst>
               <a:ext uri="{91240B29-F687-4f45-9708-019B960494DF}">
-                <a14:hiddenLine xmlns="" xmlns:a14="http://schemas.microsoft.com/office/drawing/2010/main" w="9525">
+                <a14:hiddenLine xmlns:a14="http://schemas.microsoft.com/office/drawing/2010/main" xmlns="" w="9525">
                   <a:solidFill>
                     <a:srgbClr val="000000"/>
                   </a:solidFill>
@@ -19140,7 +19410,7 @@
             </a:ln>
             <a:extLst>
               <a:ext uri="{91240B29-F687-4f45-9708-019B960494DF}">
-                <a14:hiddenLine xmlns="" xmlns:a14="http://schemas.microsoft.com/office/drawing/2010/main" w="9525">
+                <a14:hiddenLine xmlns:a14="http://schemas.microsoft.com/office/drawing/2010/main" xmlns="" w="9525">
                   <a:solidFill>
                     <a:srgbClr val="000000"/>
                   </a:solidFill>
@@ -19369,7 +19639,7 @@
             </a:ln>
             <a:extLst>
               <a:ext uri="{91240B29-F687-4f45-9708-019B960494DF}">
-                <a14:hiddenLine xmlns="" xmlns:a14="http://schemas.microsoft.com/office/drawing/2010/main" w="9525">
+                <a14:hiddenLine xmlns:a14="http://schemas.microsoft.com/office/drawing/2010/main" xmlns="" w="9525">
                   <a:solidFill>
                     <a:srgbClr val="000000"/>
                   </a:solidFill>
@@ -20047,7 +20317,7 @@
             </a:ln>
             <a:extLst>
               <a:ext uri="{91240B29-F687-4f45-9708-019B960494DF}">
-                <a14:hiddenLine xmlns="" xmlns:a14="http://schemas.microsoft.com/office/drawing/2010/main" w="9525">
+                <a14:hiddenLine xmlns:a14="http://schemas.microsoft.com/office/drawing/2010/main" xmlns="" w="9525">
                   <a:solidFill>
                     <a:srgbClr val="000000"/>
                   </a:solidFill>
@@ -20278,7 +20548,7 @@
             </a:ln>
             <a:extLst>
               <a:ext uri="{91240B29-F687-4f45-9708-019B960494DF}">
-                <a14:hiddenLine xmlns="" xmlns:a14="http://schemas.microsoft.com/office/drawing/2010/main" w="9525">
+                <a14:hiddenLine xmlns:a14="http://schemas.microsoft.com/office/drawing/2010/main" xmlns="" w="9525">
                   <a:solidFill>
                     <a:srgbClr val="000000"/>
                   </a:solidFill>
@@ -20956,7 +21226,7 @@
             </a:ln>
             <a:extLst>
               <a:ext uri="{91240B29-F687-4f45-9708-019B960494DF}">
-                <a14:hiddenLine xmlns="" xmlns:a14="http://schemas.microsoft.com/office/drawing/2010/main" w="9525">
+                <a14:hiddenLine xmlns:a14="http://schemas.microsoft.com/office/drawing/2010/main" xmlns="" w="9525">
                   <a:solidFill>
                     <a:srgbClr val="000000"/>
                   </a:solidFill>
@@ -21907,7 +22177,7 @@
             </a:ln>
             <a:extLst>
               <a:ext uri="{91240B29-F687-4f45-9708-019B960494DF}">
-                <a14:hiddenLine xmlns="" xmlns:a14="http://schemas.microsoft.com/office/drawing/2010/main" w="9525">
+                <a14:hiddenLine xmlns:a14="http://schemas.microsoft.com/office/drawing/2010/main" xmlns="" w="9525">
                   <a:solidFill>
                     <a:srgbClr val="000000"/>
                   </a:solidFill>
@@ -22585,7 +22855,7 @@
             </a:ln>
             <a:extLst>
               <a:ext uri="{91240B29-F687-4f45-9708-019B960494DF}">
-                <a14:hiddenLine xmlns="" xmlns:a14="http://schemas.microsoft.com/office/drawing/2010/main" w="9525">
+                <a14:hiddenLine xmlns:a14="http://schemas.microsoft.com/office/drawing/2010/main" xmlns="" w="9525">
                   <a:solidFill>
                     <a:srgbClr val="000000"/>
                   </a:solidFill>
@@ -22814,7 +23084,7 @@
             </a:ln>
             <a:extLst>
               <a:ext uri="{91240B29-F687-4f45-9708-019B960494DF}">
-                <a14:hiddenLine xmlns="" xmlns:a14="http://schemas.microsoft.com/office/drawing/2010/main" w="9525">
+                <a14:hiddenLine xmlns:a14="http://schemas.microsoft.com/office/drawing/2010/main" xmlns="" w="9525">
                   <a:solidFill>
                     <a:srgbClr val="000000"/>
                   </a:solidFill>
@@ -23492,7 +23762,7 @@
             </a:ln>
             <a:extLst>
               <a:ext uri="{91240B29-F687-4f45-9708-019B960494DF}">
-                <a14:hiddenLine xmlns="" xmlns:a14="http://schemas.microsoft.com/office/drawing/2010/main" w="9525">
+                <a14:hiddenLine xmlns:a14="http://schemas.microsoft.com/office/drawing/2010/main" xmlns="" w="9525">
                   <a:solidFill>
                     <a:srgbClr val="000000"/>
                   </a:solidFill>
@@ -23723,7 +23993,7 @@
             </a:ln>
             <a:extLst>
               <a:ext uri="{91240B29-F687-4f45-9708-019B960494DF}">
-                <a14:hiddenLine xmlns="" xmlns:a14="http://schemas.microsoft.com/office/drawing/2010/main" w="9525">
+                <a14:hiddenLine xmlns:a14="http://schemas.microsoft.com/office/drawing/2010/main" xmlns="" w="9525">
                   <a:solidFill>
                     <a:srgbClr val="000000"/>
                   </a:solidFill>
@@ -24401,7 +24671,7 @@
             </a:ln>
             <a:extLst>
               <a:ext uri="{91240B29-F687-4f45-9708-019B960494DF}">
-                <a14:hiddenLine xmlns="" xmlns:a14="http://schemas.microsoft.com/office/drawing/2010/main" w="9525">
+                <a14:hiddenLine xmlns:a14="http://schemas.microsoft.com/office/drawing/2010/main" xmlns="" w="9525">
                   <a:solidFill>
                     <a:srgbClr val="000000"/>
                   </a:solidFill>
@@ -25049,7 +25319,7 @@
               <a:buChar char="•"/>
             </a:pPr>
             <a:r>
-              <a:rPr lang="en-US" sz="1600" dirty="0">
+              <a:rPr lang="en-US" sz="1600" b="1" dirty="0">
                 <a:latin typeface="+mj-lt"/>
                 <a:ea typeface="Verdana" panose="020B0604030504040204" pitchFamily="34" charset="0"/>
               </a:rPr>
@@ -25065,7 +25335,7 @@
               <a:buChar char="•"/>
             </a:pPr>
             <a:r>
-              <a:rPr lang="en-US" sz="1600" dirty="0">
+              <a:rPr lang="en-US" sz="1600" b="1" dirty="0">
                 <a:latin typeface="+mj-lt"/>
                 <a:ea typeface="Verdana" panose="020B0604030504040204" pitchFamily="34" charset="0"/>
               </a:rPr>
@@ -26000,7 +26270,7 @@
             </a:ln>
             <a:extLst>
               <a:ext uri="{91240B29-F687-4f45-9708-019B960494DF}">
-                <a14:hiddenLine xmlns="" xmlns:a14="http://schemas.microsoft.com/office/drawing/2010/main" w="9525">
+                <a14:hiddenLine xmlns:a14="http://schemas.microsoft.com/office/drawing/2010/main" xmlns="" w="9525">
                   <a:solidFill>
                     <a:srgbClr val="000000"/>
                   </a:solidFill>
@@ -26678,7 +26948,7 @@
             </a:ln>
             <a:extLst>
               <a:ext uri="{91240B29-F687-4f45-9708-019B960494DF}">
-                <a14:hiddenLine xmlns="" xmlns:a14="http://schemas.microsoft.com/office/drawing/2010/main" w="9525">
+                <a14:hiddenLine xmlns:a14="http://schemas.microsoft.com/office/drawing/2010/main" xmlns="" w="9525">
                   <a:solidFill>
                     <a:srgbClr val="000000"/>
                   </a:solidFill>
@@ -26907,7 +27177,7 @@
             </a:ln>
             <a:extLst>
               <a:ext uri="{91240B29-F687-4f45-9708-019B960494DF}">
-                <a14:hiddenLine xmlns="" xmlns:a14="http://schemas.microsoft.com/office/drawing/2010/main" w="9525">
+                <a14:hiddenLine xmlns:a14="http://schemas.microsoft.com/office/drawing/2010/main" xmlns="" w="9525">
                   <a:solidFill>
                     <a:srgbClr val="000000"/>
                   </a:solidFill>
@@ -27585,7 +27855,7 @@
             </a:ln>
             <a:extLst>
               <a:ext uri="{91240B29-F687-4f45-9708-019B960494DF}">
-                <a14:hiddenLine xmlns="" xmlns:a14="http://schemas.microsoft.com/office/drawing/2010/main" w="9525">
+                <a14:hiddenLine xmlns:a14="http://schemas.microsoft.com/office/drawing/2010/main" xmlns="" w="9525">
                   <a:solidFill>
                     <a:srgbClr val="000000"/>
                   </a:solidFill>
@@ -27816,7 +28086,7 @@
             </a:ln>
             <a:extLst>
               <a:ext uri="{91240B29-F687-4f45-9708-019B960494DF}">
-                <a14:hiddenLine xmlns="" xmlns:a14="http://schemas.microsoft.com/office/drawing/2010/main" w="9525">
+                <a14:hiddenLine xmlns:a14="http://schemas.microsoft.com/office/drawing/2010/main" xmlns="" w="9525">
                   <a:solidFill>
                     <a:srgbClr val="000000"/>
                   </a:solidFill>
@@ -28494,7 +28764,7 @@
             </a:ln>
             <a:extLst>
               <a:ext uri="{91240B29-F687-4f45-9708-019B960494DF}">
-                <a14:hiddenLine xmlns="" xmlns:a14="http://schemas.microsoft.com/office/drawing/2010/main" w="9525">
+                <a14:hiddenLine xmlns:a14="http://schemas.microsoft.com/office/drawing/2010/main" xmlns="" w="9525">
                   <a:solidFill>
                     <a:srgbClr val="000000"/>
                   </a:solidFill>
@@ -28901,6 +29171,382 @@
 </file>
 
 <file path=ppt/slides/slide21.xml><?xml version="1.0" encoding="utf-8"?>
+<p:sld xmlns:a="http://schemas.openxmlformats.org/drawingml/2006/main" xmlns:r="http://schemas.openxmlformats.org/officeDocument/2006/relationships" xmlns:p="http://schemas.openxmlformats.org/presentationml/2006/main">
+  <p:cSld>
+    <p:spTree>
+      <p:nvGrpSpPr>
+        <p:cNvPr id="1" name=""/>
+        <p:cNvGrpSpPr/>
+        <p:nvPr/>
+      </p:nvGrpSpPr>
+      <p:grpSpPr>
+        <a:xfrm>
+          <a:off x="0" y="0"/>
+          <a:ext cx="0" cy="0"/>
+          <a:chOff x="0" y="0"/>
+          <a:chExt cx="0" cy="0"/>
+        </a:xfrm>
+      </p:grpSpPr>
+      <p:sp>
+        <p:nvSpPr>
+          <p:cNvPr id="7" name="Title 6" hidden="1">
+            <a:extLst>
+              <a:ext uri="{FF2B5EF4-FFF2-40B4-BE49-F238E27FC236}">
+                <a16:creationId xmlns:a16="http://schemas.microsoft.com/office/drawing/2014/main" id="{A588A72A-976E-478A-9DD3-765AB3ED4CD0}"/>
+              </a:ext>
+            </a:extLst>
+          </p:cNvPr>
+          <p:cNvSpPr>
+            <a:spLocks noGrp="1"/>
+          </p:cNvSpPr>
+          <p:nvPr>
+            <p:ph type="title" idx="4294967295"/>
+          </p:nvPr>
+        </p:nvSpPr>
+        <p:spPr>
+          <a:xfrm>
+            <a:off x="0" y="365125"/>
+            <a:ext cx="10515600" cy="1325563"/>
+          </a:xfrm>
+        </p:spPr>
+        <p:txBody>
+          <a:bodyPr/>
+          <a:lstStyle/>
+          <a:p>
+            <a:r>
+              <a:rPr lang="en-US" dirty="0"/>
+              <a:t>Project analysis slide 8</a:t>
+            </a:r>
+          </a:p>
+        </p:txBody>
+      </p:sp>
+      <p:cxnSp>
+        <p:nvCxnSpPr>
+          <p:cNvPr id="8" name="Straight Connector 7">
+            <a:extLst>
+              <a:ext uri="{FF2B5EF4-FFF2-40B4-BE49-F238E27FC236}">
+                <a16:creationId xmlns:a16="http://schemas.microsoft.com/office/drawing/2014/main" id="{D0986099-F5F2-4E8B-BE17-81194861A00C}"/>
+              </a:ext>
+              <a:ext uri="{C183D7F6-B498-43B3-948B-1728B52AA6E4}">
+                <adec:decorative xmlns:adec="http://schemas.microsoft.com/office/drawing/2017/decorative" val="1"/>
+              </a:ext>
+            </a:extLst>
+          </p:cNvPr>
+          <p:cNvCxnSpPr>
+            <a:cxnSpLocks/>
+          </p:cNvCxnSpPr>
+          <p:nvPr/>
+        </p:nvCxnSpPr>
+        <p:spPr>
+          <a:xfrm>
+            <a:off x="8105775" y="522898"/>
+            <a:ext cx="4086225" cy="0"/>
+          </a:xfrm>
+          <a:prstGeom prst="line">
+            <a:avLst/>
+          </a:prstGeom>
+          <a:ln>
+            <a:solidFill>
+              <a:schemeClr val="tx1"/>
+            </a:solidFill>
+            <a:headEnd type="oval"/>
+          </a:ln>
+        </p:spPr>
+        <p:style>
+          <a:lnRef idx="1">
+            <a:schemeClr val="accent1"/>
+          </a:lnRef>
+          <a:fillRef idx="0">
+            <a:schemeClr val="accent1"/>
+          </a:fillRef>
+          <a:effectRef idx="0">
+            <a:schemeClr val="accent1"/>
+          </a:effectRef>
+          <a:fontRef idx="minor">
+            <a:schemeClr val="tx1"/>
+          </a:fontRef>
+        </p:style>
+      </p:cxnSp>
+      <p:sp>
+        <p:nvSpPr>
+          <p:cNvPr id="11" name="Title 1">
+            <a:extLst>
+              <a:ext uri="{FF2B5EF4-FFF2-40B4-BE49-F238E27FC236}">
+                <a16:creationId xmlns:a16="http://schemas.microsoft.com/office/drawing/2014/main" id="{4E3F5479-058B-4FA8-92E9-18CAB8CDC5C5}"/>
+              </a:ext>
+            </a:extLst>
+          </p:cNvPr>
+          <p:cNvSpPr txBox="1">
+            <a:spLocks/>
+          </p:cNvSpPr>
+          <p:nvPr/>
+        </p:nvSpPr>
+        <p:spPr>
+          <a:xfrm>
+            <a:off x="228600" y="317500"/>
+            <a:ext cx="11734800" cy="387798"/>
+          </a:xfrm>
+          <a:prstGeom prst="rect">
+            <a:avLst/>
+          </a:prstGeom>
+        </p:spPr>
+        <p:txBody>
+          <a:bodyPr vert="horz" wrap="square" lIns="0" tIns="0" rIns="0" bIns="0" rtlCol="0" anchor="t">
+            <a:spAutoFit/>
+          </a:bodyPr>
+          <a:lstStyle>
+            <a:lvl1pPr algn="l" defTabSz="914400" rtl="0" eaLnBrk="1" latinLnBrk="0" hangingPunct="1">
+              <a:lnSpc>
+                <a:spcPct val="90000"/>
+              </a:lnSpc>
+              <a:spcBef>
+                <a:spcPct val="0"/>
+              </a:spcBef>
+              <a:buNone/>
+              <a:defRPr sz="4400" kern="1200">
+                <a:solidFill>
+                  <a:schemeClr val="tx1"/>
+                </a:solidFill>
+                <a:latin typeface="+mj-lt"/>
+                <a:ea typeface="+mj-ea"/>
+                <a:cs typeface="+mj-cs"/>
+              </a:defRPr>
+            </a:lvl1pPr>
+          </a:lstStyle>
+          <a:p>
+            <a:pPr algn="ctr"/>
+            <a:r>
+              <a:rPr lang="en-US" sz="2800" b="1" dirty="0"/>
+              <a:t>Structured Data</a:t>
+            </a:r>
+            <a:endParaRPr lang="en-US" sz="2800" dirty="0"/>
+          </a:p>
+        </p:txBody>
+      </p:sp>
+      <p:cxnSp>
+        <p:nvCxnSpPr>
+          <p:cNvPr id="14" name="Straight Connector 13">
+            <a:extLst>
+              <a:ext uri="{FF2B5EF4-FFF2-40B4-BE49-F238E27FC236}">
+                <a16:creationId xmlns:a16="http://schemas.microsoft.com/office/drawing/2014/main" id="{83E690F4-843A-47A5-8620-4FB01C0D8E68}"/>
+              </a:ext>
+              <a:ext uri="{C183D7F6-B498-43B3-948B-1728B52AA6E4}">
+                <adec:decorative xmlns:adec="http://schemas.microsoft.com/office/drawing/2017/decorative" val="1"/>
+              </a:ext>
+            </a:extLst>
+          </p:cNvPr>
+          <p:cNvCxnSpPr>
+            <a:cxnSpLocks/>
+          </p:cNvCxnSpPr>
+          <p:nvPr/>
+        </p:nvCxnSpPr>
+        <p:spPr>
+          <a:xfrm>
+            <a:off x="0" y="522898"/>
+            <a:ext cx="4086225" cy="0"/>
+          </a:xfrm>
+          <a:prstGeom prst="line">
+            <a:avLst/>
+          </a:prstGeom>
+          <a:ln>
+            <a:solidFill>
+              <a:schemeClr val="tx1"/>
+            </a:solidFill>
+            <a:tailEnd type="oval"/>
+          </a:ln>
+        </p:spPr>
+        <p:style>
+          <a:lnRef idx="1">
+            <a:schemeClr val="accent1"/>
+          </a:lnRef>
+          <a:fillRef idx="0">
+            <a:schemeClr val="accent1"/>
+          </a:fillRef>
+          <a:effectRef idx="0">
+            <a:schemeClr val="accent1"/>
+          </a:effectRef>
+          <a:fontRef idx="minor">
+            <a:schemeClr val="tx1"/>
+          </a:fontRef>
+        </p:style>
+      </p:cxnSp>
+      <p:sp>
+        <p:nvSpPr>
+          <p:cNvPr id="38" name="Rectangle 37">
+            <a:extLst>
+              <a:ext uri="{FF2B5EF4-FFF2-40B4-BE49-F238E27FC236}">
+                <a16:creationId xmlns:a16="http://schemas.microsoft.com/office/drawing/2014/main" id="{5ECF613A-FCF5-4CC5-AA46-DABB088D7230}"/>
+              </a:ext>
+            </a:extLst>
+          </p:cNvPr>
+          <p:cNvSpPr/>
+          <p:nvPr/>
+        </p:nvSpPr>
+        <p:spPr>
+          <a:xfrm>
+            <a:off x="419099" y="910696"/>
+            <a:ext cx="11295761" cy="2474780"/>
+          </a:xfrm>
+          <a:prstGeom prst="rect">
+            <a:avLst/>
+          </a:prstGeom>
+        </p:spPr>
+        <p:txBody>
+          <a:bodyPr wrap="square" lIns="0" tIns="0" rIns="0" bIns="0" anchor="t">
+            <a:spAutoFit/>
+          </a:bodyPr>
+          <a:lstStyle/>
+          <a:p>
+            <a:pPr marL="342900" indent="-342900" algn="just">
+              <a:lnSpc>
+                <a:spcPct val="150000"/>
+              </a:lnSpc>
+              <a:buFont typeface="Segoe UI Light" panose="020B0502040204020203" pitchFamily="34" charset="0"/>
+              <a:buChar char="›"/>
+            </a:pPr>
+            <a:r>
+              <a:rPr lang="en-IN" sz="2200" dirty="0">
+                <a:latin typeface="+mj-lt"/>
+                <a:cs typeface="Segoe UI" panose="020B0502040204020203" pitchFamily="34" charset="0"/>
+              </a:rPr>
+              <a:t>Structured data can be defined as the data that has a defined repeating pattern. </a:t>
+            </a:r>
+          </a:p>
+          <a:p>
+            <a:pPr marL="342900" indent="-342900" algn="just">
+              <a:lnSpc>
+                <a:spcPct val="150000"/>
+              </a:lnSpc>
+              <a:buFont typeface="Segoe UI Light" panose="020B0502040204020203" pitchFamily="34" charset="0"/>
+              <a:buChar char="›"/>
+            </a:pPr>
+            <a:r>
+              <a:rPr lang="en-IN" sz="2200" dirty="0">
+                <a:latin typeface="+mj-lt"/>
+                <a:cs typeface="Segoe UI" panose="020B0502040204020203" pitchFamily="34" charset="0"/>
+              </a:rPr>
+              <a:t>This pattern makes it easier for any program to sort, read, and process the data. </a:t>
+            </a:r>
+          </a:p>
+          <a:p>
+            <a:pPr marL="342900" indent="-342900" algn="just">
+              <a:lnSpc>
+                <a:spcPct val="150000"/>
+              </a:lnSpc>
+              <a:buFont typeface="Segoe UI Light" panose="020B0502040204020203" pitchFamily="34" charset="0"/>
+              <a:buChar char="›"/>
+            </a:pPr>
+            <a:r>
+              <a:rPr lang="en-IN" sz="2200" dirty="0">
+                <a:latin typeface="+mj-lt"/>
+                <a:cs typeface="Segoe UI" panose="020B0502040204020203" pitchFamily="34" charset="0"/>
+              </a:rPr>
+              <a:t>Processing structured data is much easier and faster than processing data without any specific repeating patterns.</a:t>
+            </a:r>
+          </a:p>
+        </p:txBody>
+      </p:sp>
+      <p:sp>
+        <p:nvSpPr>
+          <p:cNvPr id="3" name="Date Placeholder 2">
+            <a:extLst>
+              <a:ext uri="{FF2B5EF4-FFF2-40B4-BE49-F238E27FC236}">
+                <a16:creationId xmlns:a16="http://schemas.microsoft.com/office/drawing/2014/main" id="{36C5AA75-9F54-3836-780A-88C5A68E18D1}"/>
+              </a:ext>
+            </a:extLst>
+          </p:cNvPr>
+          <p:cNvSpPr>
+            <a:spLocks noGrp="1"/>
+          </p:cNvSpPr>
+          <p:nvPr>
+            <p:ph type="dt" sz="half" idx="10"/>
+          </p:nvPr>
+        </p:nvSpPr>
+        <p:spPr/>
+        <p:txBody>
+          <a:bodyPr/>
+          <a:lstStyle/>
+          <a:p>
+            <a:fld id="{92BFBB3A-B0D1-47B1-9ACA-1D5666F10CB7}" type="datetime1">
+              <a:rPr lang="en-US" smtClean="0"/>
+              <a:t>7/7/2023</a:t>
+            </a:fld>
+            <a:endParaRPr lang="en-US" dirty="0"/>
+          </a:p>
+        </p:txBody>
+      </p:sp>
+      <p:sp>
+        <p:nvSpPr>
+          <p:cNvPr id="4" name="Slide Number Placeholder 3">
+            <a:extLst>
+              <a:ext uri="{FF2B5EF4-FFF2-40B4-BE49-F238E27FC236}">
+                <a16:creationId xmlns:a16="http://schemas.microsoft.com/office/drawing/2014/main" id="{DCE10980-C761-B4A1-D13C-CE167D520469}"/>
+              </a:ext>
+            </a:extLst>
+          </p:cNvPr>
+          <p:cNvSpPr>
+            <a:spLocks noGrp="1"/>
+          </p:cNvSpPr>
+          <p:nvPr>
+            <p:ph type="sldNum" sz="quarter" idx="12"/>
+          </p:nvPr>
+        </p:nvSpPr>
+        <p:spPr/>
+        <p:txBody>
+          <a:bodyPr/>
+          <a:lstStyle/>
+          <a:p>
+            <a:fld id="{06FEDF93-2BFD-41CA-ABC7-B039102F3792}" type="slidenum">
+              <a:rPr lang="en-US" smtClean="0"/>
+              <a:t>21</a:t>
+            </a:fld>
+            <a:endParaRPr lang="en-US" dirty="0"/>
+          </a:p>
+        </p:txBody>
+      </p:sp>
+      <p:sp>
+        <p:nvSpPr>
+          <p:cNvPr id="5" name="Footer Placeholder 4">
+            <a:extLst>
+              <a:ext uri="{FF2B5EF4-FFF2-40B4-BE49-F238E27FC236}">
+                <a16:creationId xmlns:a16="http://schemas.microsoft.com/office/drawing/2014/main" id="{794C41BA-3DB8-3652-DB64-1206DAB787B8}"/>
+              </a:ext>
+            </a:extLst>
+          </p:cNvPr>
+          <p:cNvSpPr>
+            <a:spLocks noGrp="1"/>
+          </p:cNvSpPr>
+          <p:nvPr>
+            <p:ph type="ftr" sz="quarter" idx="11"/>
+          </p:nvPr>
+        </p:nvSpPr>
+        <p:spPr/>
+        <p:txBody>
+          <a:bodyPr/>
+          <a:lstStyle/>
+          <a:p>
+            <a:r>
+              <a:rPr lang="en-US"/>
+              <a:t>BDTM (N2MBA07), Dept of MBA, SIT - Tumkuru</a:t>
+            </a:r>
+            <a:endParaRPr lang="en-US" dirty="0"/>
+          </a:p>
+        </p:txBody>
+      </p:sp>
+    </p:spTree>
+    <p:extLst>
+      <p:ext uri="{BB962C8B-B14F-4D97-AF65-F5344CB8AC3E}">
+        <p14:creationId xmlns:p14="http://schemas.microsoft.com/office/powerpoint/2010/main" val="1031763553"/>
+      </p:ext>
+    </p:extLst>
+  </p:cSld>
+  <p:clrMapOvr>
+    <a:masterClrMapping/>
+  </p:clrMapOvr>
+</p:sld>
+</file>
+
+<file path=ppt/slides/slide22.xml><?xml version="1.0" encoding="utf-8"?>
 <p:sld xmlns:a="http://schemas.openxmlformats.org/drawingml/2006/main" xmlns:r="http://schemas.openxmlformats.org/officeDocument/2006/relationships" xmlns:p="http://schemas.openxmlformats.org/presentationml/2006/main">
   <p:cSld>
     <p:spTree>
@@ -29729,7 +30375,7 @@
           <a:p>
             <a:fld id="{06FEDF93-2BFD-41CA-ABC7-B039102F3792}" type="slidenum">
               <a:rPr lang="en-US" smtClean="0"/>
-              <a:t>21</a:t>
+              <a:t>22</a:t>
             </a:fld>
             <a:endParaRPr lang="en-US" dirty="0"/>
           </a:p>
@@ -29777,7 +30423,7 @@
 </p:sld>
 </file>
 
-<file path=ppt/slides/slide22.xml><?xml version="1.0" encoding="utf-8"?>
+<file path=ppt/slides/slide23.xml><?xml version="1.0" encoding="utf-8"?>
 <p:sld xmlns:a="http://schemas.openxmlformats.org/drawingml/2006/main" xmlns:r="http://schemas.openxmlformats.org/officeDocument/2006/relationships" xmlns:p="http://schemas.openxmlformats.org/presentationml/2006/main">
   <p:cSld>
     <p:spTree>
@@ -29992,6 +30638,350 @@
         <p:spPr>
           <a:xfrm>
             <a:off x="419099" y="910696"/>
+            <a:ext cx="11295761" cy="1966949"/>
+          </a:xfrm>
+          <a:prstGeom prst="rect">
+            <a:avLst/>
+          </a:prstGeom>
+        </p:spPr>
+        <p:txBody>
+          <a:bodyPr wrap="square" lIns="0" tIns="0" rIns="0" bIns="0" anchor="t">
+            <a:spAutoFit/>
+          </a:bodyPr>
+          <a:lstStyle/>
+          <a:p>
+            <a:pPr marL="342900" indent="-342900" algn="just">
+              <a:lnSpc>
+                <a:spcPct val="150000"/>
+              </a:lnSpc>
+              <a:buFont typeface="Segoe UI Light" panose="020B0502040204020203" pitchFamily="34" charset="0"/>
+              <a:buChar char="›"/>
+            </a:pPr>
+            <a:r>
+              <a:rPr lang="en-IN" sz="2200" dirty="0">
+                <a:latin typeface="+mj-lt"/>
+                <a:cs typeface="Segoe UI" panose="020B0502040204020203" pitchFamily="34" charset="0"/>
+              </a:rPr>
+              <a:t>Semi-structured data, also known as having a schema-less or self describing structure, refers to a form of structured data that contains tags or markup elements in order to separate out the elements and generate hierarchies of records and fields in the given data.</a:t>
+            </a:r>
+          </a:p>
+        </p:txBody>
+      </p:sp>
+      <p:sp>
+        <p:nvSpPr>
+          <p:cNvPr id="2" name="Date Placeholder 1">
+            <a:extLst>
+              <a:ext uri="{FF2B5EF4-FFF2-40B4-BE49-F238E27FC236}">
+                <a16:creationId xmlns:a16="http://schemas.microsoft.com/office/drawing/2014/main" id="{B8C11EFB-106F-921F-319A-1D0065811B93}"/>
+              </a:ext>
+            </a:extLst>
+          </p:cNvPr>
+          <p:cNvSpPr>
+            <a:spLocks noGrp="1"/>
+          </p:cNvSpPr>
+          <p:nvPr>
+            <p:ph type="dt" sz="half" idx="10"/>
+          </p:nvPr>
+        </p:nvSpPr>
+        <p:spPr/>
+        <p:txBody>
+          <a:bodyPr/>
+          <a:lstStyle/>
+          <a:p>
+            <a:fld id="{AC4DABF6-029F-4D7A-B3FF-8A5D26B344CD}" type="datetime1">
+              <a:rPr lang="en-US" smtClean="0"/>
+              <a:t>7/7/2023</a:t>
+            </a:fld>
+            <a:endParaRPr lang="en-US" dirty="0"/>
+          </a:p>
+        </p:txBody>
+      </p:sp>
+      <p:sp>
+        <p:nvSpPr>
+          <p:cNvPr id="3" name="Slide Number Placeholder 2">
+            <a:extLst>
+              <a:ext uri="{FF2B5EF4-FFF2-40B4-BE49-F238E27FC236}">
+                <a16:creationId xmlns:a16="http://schemas.microsoft.com/office/drawing/2014/main" id="{8F97FC7B-81F3-2082-F512-27D6D78E1733}"/>
+              </a:ext>
+            </a:extLst>
+          </p:cNvPr>
+          <p:cNvSpPr>
+            <a:spLocks noGrp="1"/>
+          </p:cNvSpPr>
+          <p:nvPr>
+            <p:ph type="sldNum" sz="quarter" idx="12"/>
+          </p:nvPr>
+        </p:nvSpPr>
+        <p:spPr/>
+        <p:txBody>
+          <a:bodyPr/>
+          <a:lstStyle/>
+          <a:p>
+            <a:fld id="{06FEDF93-2BFD-41CA-ABC7-B039102F3792}" type="slidenum">
+              <a:rPr lang="en-US" smtClean="0"/>
+              <a:t>23</a:t>
+            </a:fld>
+            <a:endParaRPr lang="en-US" dirty="0"/>
+          </a:p>
+        </p:txBody>
+      </p:sp>
+      <p:sp>
+        <p:nvSpPr>
+          <p:cNvPr id="4" name="Footer Placeholder 3">
+            <a:extLst>
+              <a:ext uri="{FF2B5EF4-FFF2-40B4-BE49-F238E27FC236}">
+                <a16:creationId xmlns:a16="http://schemas.microsoft.com/office/drawing/2014/main" id="{EEB085C8-D0C7-0692-3080-4E23D15CA84D}"/>
+              </a:ext>
+            </a:extLst>
+          </p:cNvPr>
+          <p:cNvSpPr>
+            <a:spLocks noGrp="1"/>
+          </p:cNvSpPr>
+          <p:nvPr>
+            <p:ph type="ftr" sz="quarter" idx="11"/>
+          </p:nvPr>
+        </p:nvSpPr>
+        <p:spPr/>
+        <p:txBody>
+          <a:bodyPr/>
+          <a:lstStyle/>
+          <a:p>
+            <a:r>
+              <a:rPr lang="en-US"/>
+              <a:t>BDTM (N2MBA07), Dept of MBA, SIT - Tumkuru</a:t>
+            </a:r>
+            <a:endParaRPr lang="en-US" dirty="0"/>
+          </a:p>
+        </p:txBody>
+      </p:sp>
+    </p:spTree>
+    <p:extLst>
+      <p:ext uri="{BB962C8B-B14F-4D97-AF65-F5344CB8AC3E}">
+        <p14:creationId xmlns:p14="http://schemas.microsoft.com/office/powerpoint/2010/main" val="4246864619"/>
+      </p:ext>
+    </p:extLst>
+  </p:cSld>
+  <p:clrMapOvr>
+    <a:masterClrMapping/>
+  </p:clrMapOvr>
+</p:sld>
+</file>
+
+<file path=ppt/slides/slide24.xml><?xml version="1.0" encoding="utf-8"?>
+<p:sld xmlns:a="http://schemas.openxmlformats.org/drawingml/2006/main" xmlns:r="http://schemas.openxmlformats.org/officeDocument/2006/relationships" xmlns:p="http://schemas.openxmlformats.org/presentationml/2006/main">
+  <p:cSld>
+    <p:spTree>
+      <p:nvGrpSpPr>
+        <p:cNvPr id="1" name=""/>
+        <p:cNvGrpSpPr/>
+        <p:nvPr/>
+      </p:nvGrpSpPr>
+      <p:grpSpPr>
+        <a:xfrm>
+          <a:off x="0" y="0"/>
+          <a:ext cx="0" cy="0"/>
+          <a:chOff x="0" y="0"/>
+          <a:chExt cx="0" cy="0"/>
+        </a:xfrm>
+      </p:grpSpPr>
+      <p:sp>
+        <p:nvSpPr>
+          <p:cNvPr id="7" name="Title 6" hidden="1">
+            <a:extLst>
+              <a:ext uri="{FF2B5EF4-FFF2-40B4-BE49-F238E27FC236}">
+                <a16:creationId xmlns:a16="http://schemas.microsoft.com/office/drawing/2014/main" id="{A588A72A-976E-478A-9DD3-765AB3ED4CD0}"/>
+              </a:ext>
+            </a:extLst>
+          </p:cNvPr>
+          <p:cNvSpPr>
+            <a:spLocks noGrp="1"/>
+          </p:cNvSpPr>
+          <p:nvPr>
+            <p:ph type="title" idx="4294967295"/>
+          </p:nvPr>
+        </p:nvSpPr>
+        <p:spPr>
+          <a:xfrm>
+            <a:off x="0" y="365125"/>
+            <a:ext cx="10515600" cy="1325563"/>
+          </a:xfrm>
+        </p:spPr>
+        <p:txBody>
+          <a:bodyPr/>
+          <a:lstStyle/>
+          <a:p>
+            <a:r>
+              <a:rPr lang="en-US" dirty="0"/>
+              <a:t>Project analysis slide 8</a:t>
+            </a:r>
+          </a:p>
+        </p:txBody>
+      </p:sp>
+      <p:cxnSp>
+        <p:nvCxnSpPr>
+          <p:cNvPr id="8" name="Straight Connector 7">
+            <a:extLst>
+              <a:ext uri="{FF2B5EF4-FFF2-40B4-BE49-F238E27FC236}">
+                <a16:creationId xmlns:a16="http://schemas.microsoft.com/office/drawing/2014/main" id="{D0986099-F5F2-4E8B-BE17-81194861A00C}"/>
+              </a:ext>
+              <a:ext uri="{C183D7F6-B498-43B3-948B-1728B52AA6E4}">
+                <adec:decorative xmlns:adec="http://schemas.microsoft.com/office/drawing/2017/decorative" val="1"/>
+              </a:ext>
+            </a:extLst>
+          </p:cNvPr>
+          <p:cNvCxnSpPr>
+            <a:cxnSpLocks/>
+          </p:cNvCxnSpPr>
+          <p:nvPr/>
+        </p:nvCxnSpPr>
+        <p:spPr>
+          <a:xfrm>
+            <a:off x="8105775" y="522898"/>
+            <a:ext cx="4086225" cy="0"/>
+          </a:xfrm>
+          <a:prstGeom prst="line">
+            <a:avLst/>
+          </a:prstGeom>
+          <a:ln>
+            <a:solidFill>
+              <a:schemeClr val="tx1"/>
+            </a:solidFill>
+            <a:headEnd type="oval"/>
+          </a:ln>
+        </p:spPr>
+        <p:style>
+          <a:lnRef idx="1">
+            <a:schemeClr val="accent1"/>
+          </a:lnRef>
+          <a:fillRef idx="0">
+            <a:schemeClr val="accent1"/>
+          </a:fillRef>
+          <a:effectRef idx="0">
+            <a:schemeClr val="accent1"/>
+          </a:effectRef>
+          <a:fontRef idx="minor">
+            <a:schemeClr val="tx1"/>
+          </a:fontRef>
+        </p:style>
+      </p:cxnSp>
+      <p:sp>
+        <p:nvSpPr>
+          <p:cNvPr id="11" name="Title 1">
+            <a:extLst>
+              <a:ext uri="{FF2B5EF4-FFF2-40B4-BE49-F238E27FC236}">
+                <a16:creationId xmlns:a16="http://schemas.microsoft.com/office/drawing/2014/main" id="{4E3F5479-058B-4FA8-92E9-18CAB8CDC5C5}"/>
+              </a:ext>
+            </a:extLst>
+          </p:cNvPr>
+          <p:cNvSpPr txBox="1">
+            <a:spLocks/>
+          </p:cNvSpPr>
+          <p:nvPr/>
+        </p:nvSpPr>
+        <p:spPr>
+          <a:xfrm>
+            <a:off x="228600" y="317500"/>
+            <a:ext cx="11734800" cy="387798"/>
+          </a:xfrm>
+          <a:prstGeom prst="rect">
+            <a:avLst/>
+          </a:prstGeom>
+        </p:spPr>
+        <p:txBody>
+          <a:bodyPr vert="horz" wrap="square" lIns="0" tIns="0" rIns="0" bIns="0" rtlCol="0" anchor="t">
+            <a:spAutoFit/>
+          </a:bodyPr>
+          <a:lstStyle>
+            <a:lvl1pPr algn="l" defTabSz="914400" rtl="0" eaLnBrk="1" latinLnBrk="0" hangingPunct="1">
+              <a:lnSpc>
+                <a:spcPct val="90000"/>
+              </a:lnSpc>
+              <a:spcBef>
+                <a:spcPct val="0"/>
+              </a:spcBef>
+              <a:buNone/>
+              <a:defRPr sz="4400" kern="1200">
+                <a:solidFill>
+                  <a:schemeClr val="tx1"/>
+                </a:solidFill>
+                <a:latin typeface="+mj-lt"/>
+                <a:ea typeface="+mj-ea"/>
+                <a:cs typeface="+mj-cs"/>
+              </a:defRPr>
+            </a:lvl1pPr>
+          </a:lstStyle>
+          <a:p>
+            <a:pPr algn="ctr"/>
+            <a:r>
+              <a:rPr lang="en-US" sz="2800" b="1" dirty="0"/>
+              <a:t>Semi-Structured Data</a:t>
+            </a:r>
+            <a:endParaRPr lang="en-US" sz="2800" dirty="0"/>
+          </a:p>
+        </p:txBody>
+      </p:sp>
+      <p:cxnSp>
+        <p:nvCxnSpPr>
+          <p:cNvPr id="14" name="Straight Connector 13">
+            <a:extLst>
+              <a:ext uri="{FF2B5EF4-FFF2-40B4-BE49-F238E27FC236}">
+                <a16:creationId xmlns:a16="http://schemas.microsoft.com/office/drawing/2014/main" id="{83E690F4-843A-47A5-8620-4FB01C0D8E68}"/>
+              </a:ext>
+              <a:ext uri="{C183D7F6-B498-43B3-948B-1728B52AA6E4}">
+                <adec:decorative xmlns:adec="http://schemas.microsoft.com/office/drawing/2017/decorative" val="1"/>
+              </a:ext>
+            </a:extLst>
+          </p:cNvPr>
+          <p:cNvCxnSpPr>
+            <a:cxnSpLocks/>
+          </p:cNvCxnSpPr>
+          <p:nvPr/>
+        </p:nvCxnSpPr>
+        <p:spPr>
+          <a:xfrm>
+            <a:off x="0" y="522898"/>
+            <a:ext cx="4086225" cy="0"/>
+          </a:xfrm>
+          <a:prstGeom prst="line">
+            <a:avLst/>
+          </a:prstGeom>
+          <a:ln>
+            <a:solidFill>
+              <a:schemeClr val="tx1"/>
+            </a:solidFill>
+            <a:tailEnd type="oval"/>
+          </a:ln>
+        </p:spPr>
+        <p:style>
+          <a:lnRef idx="1">
+            <a:schemeClr val="accent1"/>
+          </a:lnRef>
+          <a:fillRef idx="0">
+            <a:schemeClr val="accent1"/>
+          </a:fillRef>
+          <a:effectRef idx="0">
+            <a:schemeClr val="accent1"/>
+          </a:effectRef>
+          <a:fontRef idx="minor">
+            <a:schemeClr val="tx1"/>
+          </a:fontRef>
+        </p:style>
+      </p:cxnSp>
+      <p:sp>
+        <p:nvSpPr>
+          <p:cNvPr id="38" name="Rectangle 37">
+            <a:extLst>
+              <a:ext uri="{FF2B5EF4-FFF2-40B4-BE49-F238E27FC236}">
+                <a16:creationId xmlns:a16="http://schemas.microsoft.com/office/drawing/2014/main" id="{5ECF613A-FCF5-4CC5-AA46-DABB088D7230}"/>
+              </a:ext>
+            </a:extLst>
+          </p:cNvPr>
+          <p:cNvSpPr/>
+          <p:nvPr/>
+        </p:nvSpPr>
+        <p:spPr>
+          <a:xfrm>
+            <a:off x="419099" y="910696"/>
             <a:ext cx="11295761" cy="2474780"/>
           </a:xfrm>
           <a:prstGeom prst="rect">
@@ -30016,7 +31006,7 @@
                 <a:latin typeface="+mj-lt"/>
                 <a:cs typeface="Segoe UI" panose="020B0502040204020203" pitchFamily="34" charset="0"/>
               </a:rPr>
-              <a:t>Semi-structured data, also known as having a schema-less or self describing structure, refers to a form of structured data that contains tags or markup elements in order to separate elements and generate hierarchies of records and fields in the given data.</a:t>
+              <a:t>Semi-structured data, also known as having a schema-less or self describing structure, refers to a form of structured data that contains tags or markup elements in order to separate out the elements and generate hierarchies of records and fields in the given data.</a:t>
             </a:r>
           </a:p>
           <a:p>
@@ -30049,13 +31039,7 @@
           <p:cNvGraphicFramePr>
             <a:graphicFrameLocks noGrp="1"/>
           </p:cNvGraphicFramePr>
-          <p:nvPr>
-            <p:extLst>
-              <p:ext uri="{D42A27DB-BD31-4B8C-83A1-F6EECF244321}">
-                <p14:modId xmlns:p14="http://schemas.microsoft.com/office/powerpoint/2010/main" val="560236553"/>
-              </p:ext>
-            </p:extLst>
-          </p:nvPr>
+          <p:nvPr/>
         </p:nvGraphicFramePr>
         <p:xfrm>
           <a:off x="796478" y="3347124"/>
@@ -30455,7 +31439,7 @@
           <a:p>
             <a:fld id="{06FEDF93-2BFD-41CA-ABC7-B039102F3792}" type="slidenum">
               <a:rPr lang="en-US" smtClean="0"/>
-              <a:t>22</a:t>
+              <a:t>24</a:t>
             </a:fld>
             <a:endParaRPr lang="en-US" dirty="0"/>
           </a:p>
@@ -30493,7 +31477,7 @@
     </p:spTree>
     <p:extLst>
       <p:ext uri="{BB962C8B-B14F-4D97-AF65-F5344CB8AC3E}">
-        <p14:creationId xmlns:p14="http://schemas.microsoft.com/office/powerpoint/2010/main" val="4246864619"/>
+        <p14:creationId xmlns:p14="http://schemas.microsoft.com/office/powerpoint/2010/main" val="1617722328"/>
       </p:ext>
     </p:extLst>
   </p:cSld>
@@ -30503,7 +31487,380 @@
 </p:sld>
 </file>
 
-<file path=ppt/slides/slide23.xml><?xml version="1.0" encoding="utf-8"?>
+<file path=ppt/slides/slide25.xml><?xml version="1.0" encoding="utf-8"?>
+<p:sld xmlns:a="http://schemas.openxmlformats.org/drawingml/2006/main" xmlns:r="http://schemas.openxmlformats.org/officeDocument/2006/relationships" xmlns:p="http://schemas.openxmlformats.org/presentationml/2006/main">
+  <p:cSld>
+    <p:spTree>
+      <p:nvGrpSpPr>
+        <p:cNvPr id="1" name=""/>
+        <p:cNvGrpSpPr/>
+        <p:nvPr/>
+      </p:nvGrpSpPr>
+      <p:grpSpPr>
+        <a:xfrm>
+          <a:off x="0" y="0"/>
+          <a:ext cx="0" cy="0"/>
+          <a:chOff x="0" y="0"/>
+          <a:chExt cx="0" cy="0"/>
+        </a:xfrm>
+      </p:grpSpPr>
+      <p:sp>
+        <p:nvSpPr>
+          <p:cNvPr id="7" name="Title 6" hidden="1">
+            <a:extLst>
+              <a:ext uri="{FF2B5EF4-FFF2-40B4-BE49-F238E27FC236}">
+                <a16:creationId xmlns:a16="http://schemas.microsoft.com/office/drawing/2014/main" id="{A588A72A-976E-478A-9DD3-765AB3ED4CD0}"/>
+              </a:ext>
+            </a:extLst>
+          </p:cNvPr>
+          <p:cNvSpPr>
+            <a:spLocks noGrp="1"/>
+          </p:cNvSpPr>
+          <p:nvPr>
+            <p:ph type="title" idx="4294967295"/>
+          </p:nvPr>
+        </p:nvSpPr>
+        <p:spPr>
+          <a:xfrm>
+            <a:off x="0" y="365125"/>
+            <a:ext cx="10515600" cy="1325563"/>
+          </a:xfrm>
+        </p:spPr>
+        <p:txBody>
+          <a:bodyPr/>
+          <a:lstStyle/>
+          <a:p>
+            <a:r>
+              <a:rPr lang="en-US" dirty="0"/>
+              <a:t>Project analysis slide 8</a:t>
+            </a:r>
+          </a:p>
+        </p:txBody>
+      </p:sp>
+      <p:cxnSp>
+        <p:nvCxnSpPr>
+          <p:cNvPr id="8" name="Straight Connector 7">
+            <a:extLst>
+              <a:ext uri="{FF2B5EF4-FFF2-40B4-BE49-F238E27FC236}">
+                <a16:creationId xmlns:a16="http://schemas.microsoft.com/office/drawing/2014/main" id="{D0986099-F5F2-4E8B-BE17-81194861A00C}"/>
+              </a:ext>
+              <a:ext uri="{C183D7F6-B498-43B3-948B-1728B52AA6E4}">
+                <adec:decorative xmlns:adec="http://schemas.microsoft.com/office/drawing/2017/decorative" val="1"/>
+              </a:ext>
+            </a:extLst>
+          </p:cNvPr>
+          <p:cNvCxnSpPr>
+            <a:cxnSpLocks/>
+          </p:cNvCxnSpPr>
+          <p:nvPr/>
+        </p:nvCxnSpPr>
+        <p:spPr>
+          <a:xfrm>
+            <a:off x="8105775" y="522898"/>
+            <a:ext cx="4086225" cy="0"/>
+          </a:xfrm>
+          <a:prstGeom prst="line">
+            <a:avLst/>
+          </a:prstGeom>
+          <a:ln>
+            <a:solidFill>
+              <a:schemeClr val="tx1"/>
+            </a:solidFill>
+            <a:headEnd type="oval"/>
+          </a:ln>
+        </p:spPr>
+        <p:style>
+          <a:lnRef idx="1">
+            <a:schemeClr val="accent1"/>
+          </a:lnRef>
+          <a:fillRef idx="0">
+            <a:schemeClr val="accent1"/>
+          </a:fillRef>
+          <a:effectRef idx="0">
+            <a:schemeClr val="accent1"/>
+          </a:effectRef>
+          <a:fontRef idx="minor">
+            <a:schemeClr val="tx1"/>
+          </a:fontRef>
+        </p:style>
+      </p:cxnSp>
+      <p:sp>
+        <p:nvSpPr>
+          <p:cNvPr id="11" name="Title 1">
+            <a:extLst>
+              <a:ext uri="{FF2B5EF4-FFF2-40B4-BE49-F238E27FC236}">
+                <a16:creationId xmlns:a16="http://schemas.microsoft.com/office/drawing/2014/main" id="{4E3F5479-058B-4FA8-92E9-18CAB8CDC5C5}"/>
+              </a:ext>
+            </a:extLst>
+          </p:cNvPr>
+          <p:cNvSpPr txBox="1">
+            <a:spLocks/>
+          </p:cNvSpPr>
+          <p:nvPr/>
+        </p:nvSpPr>
+        <p:spPr>
+          <a:xfrm>
+            <a:off x="228600" y="317500"/>
+            <a:ext cx="11734800" cy="387798"/>
+          </a:xfrm>
+          <a:prstGeom prst="rect">
+            <a:avLst/>
+          </a:prstGeom>
+        </p:spPr>
+        <p:txBody>
+          <a:bodyPr vert="horz" wrap="square" lIns="0" tIns="0" rIns="0" bIns="0" rtlCol="0" anchor="t">
+            <a:spAutoFit/>
+          </a:bodyPr>
+          <a:lstStyle>
+            <a:lvl1pPr algn="l" defTabSz="914400" rtl="0" eaLnBrk="1" latinLnBrk="0" hangingPunct="1">
+              <a:lnSpc>
+                <a:spcPct val="90000"/>
+              </a:lnSpc>
+              <a:spcBef>
+                <a:spcPct val="0"/>
+              </a:spcBef>
+              <a:buNone/>
+              <a:defRPr sz="4400" kern="1200">
+                <a:solidFill>
+                  <a:schemeClr val="tx1"/>
+                </a:solidFill>
+                <a:latin typeface="+mj-lt"/>
+                <a:ea typeface="+mj-ea"/>
+                <a:cs typeface="+mj-cs"/>
+              </a:defRPr>
+            </a:lvl1pPr>
+          </a:lstStyle>
+          <a:p>
+            <a:pPr algn="ctr"/>
+            <a:r>
+              <a:rPr lang="en-US" sz="2800" b="1" dirty="0"/>
+              <a:t>Unstructured Data</a:t>
+            </a:r>
+            <a:endParaRPr lang="en-US" sz="2800" dirty="0"/>
+          </a:p>
+        </p:txBody>
+      </p:sp>
+      <p:cxnSp>
+        <p:nvCxnSpPr>
+          <p:cNvPr id="14" name="Straight Connector 13">
+            <a:extLst>
+              <a:ext uri="{FF2B5EF4-FFF2-40B4-BE49-F238E27FC236}">
+                <a16:creationId xmlns:a16="http://schemas.microsoft.com/office/drawing/2014/main" id="{83E690F4-843A-47A5-8620-4FB01C0D8E68}"/>
+              </a:ext>
+              <a:ext uri="{C183D7F6-B498-43B3-948B-1728B52AA6E4}">
+                <adec:decorative xmlns:adec="http://schemas.microsoft.com/office/drawing/2017/decorative" val="1"/>
+              </a:ext>
+            </a:extLst>
+          </p:cNvPr>
+          <p:cNvCxnSpPr>
+            <a:cxnSpLocks/>
+          </p:cNvCxnSpPr>
+          <p:nvPr/>
+        </p:nvCxnSpPr>
+        <p:spPr>
+          <a:xfrm>
+            <a:off x="0" y="522898"/>
+            <a:ext cx="4086225" cy="0"/>
+          </a:xfrm>
+          <a:prstGeom prst="line">
+            <a:avLst/>
+          </a:prstGeom>
+          <a:ln>
+            <a:solidFill>
+              <a:schemeClr val="tx1"/>
+            </a:solidFill>
+            <a:tailEnd type="oval"/>
+          </a:ln>
+        </p:spPr>
+        <p:style>
+          <a:lnRef idx="1">
+            <a:schemeClr val="accent1"/>
+          </a:lnRef>
+          <a:fillRef idx="0">
+            <a:schemeClr val="accent1"/>
+          </a:fillRef>
+          <a:effectRef idx="0">
+            <a:schemeClr val="accent1"/>
+          </a:effectRef>
+          <a:fontRef idx="minor">
+            <a:schemeClr val="tx1"/>
+          </a:fontRef>
+        </p:style>
+      </p:cxnSp>
+      <p:sp>
+        <p:nvSpPr>
+          <p:cNvPr id="38" name="Rectangle 37">
+            <a:extLst>
+              <a:ext uri="{FF2B5EF4-FFF2-40B4-BE49-F238E27FC236}">
+                <a16:creationId xmlns:a16="http://schemas.microsoft.com/office/drawing/2014/main" id="{5ECF613A-FCF5-4CC5-AA46-DABB088D7230}"/>
+              </a:ext>
+            </a:extLst>
+          </p:cNvPr>
+          <p:cNvSpPr/>
+          <p:nvPr/>
+        </p:nvSpPr>
+        <p:spPr>
+          <a:xfrm>
+            <a:off x="419099" y="910696"/>
+            <a:ext cx="11295761" cy="2474780"/>
+          </a:xfrm>
+          <a:prstGeom prst="rect">
+            <a:avLst/>
+          </a:prstGeom>
+        </p:spPr>
+        <p:txBody>
+          <a:bodyPr wrap="square" lIns="0" tIns="0" rIns="0" bIns="0" anchor="t">
+            <a:spAutoFit/>
+          </a:bodyPr>
+          <a:lstStyle/>
+          <a:p>
+            <a:pPr marL="342900" indent="-342900" algn="just">
+              <a:lnSpc>
+                <a:spcPct val="150000"/>
+              </a:lnSpc>
+              <a:buFont typeface="Segoe UI Light" panose="020B0502040204020203" pitchFamily="34" charset="0"/>
+              <a:buChar char="›"/>
+            </a:pPr>
+            <a:r>
+              <a:rPr lang="en-IN" sz="2200" dirty="0">
+                <a:latin typeface="+mj-lt"/>
+                <a:cs typeface="Segoe UI" panose="020B0502040204020203" pitchFamily="34" charset="0"/>
+              </a:rPr>
+              <a:t>Unstructured data is a set of data that might or might not have any logical or repeating patterns. About 80% of enterprise data consist of unstructured content.</a:t>
+            </a:r>
+          </a:p>
+          <a:p>
+            <a:pPr marL="342900" indent="-342900" algn="just">
+              <a:lnSpc>
+                <a:spcPct val="150000"/>
+              </a:lnSpc>
+              <a:buFont typeface="Segoe UI Light" panose="020B0502040204020203" pitchFamily="34" charset="0"/>
+              <a:buChar char="›"/>
+            </a:pPr>
+            <a:r>
+              <a:rPr lang="en-IN" sz="2200" dirty="0">
+                <a:latin typeface="+mj-lt"/>
+                <a:cs typeface="Segoe UI" panose="020B0502040204020203" pitchFamily="34" charset="0"/>
+              </a:rPr>
+              <a:t>What are the unstructured data ?</a:t>
+            </a:r>
+          </a:p>
+          <a:p>
+            <a:pPr marL="342900" indent="-342900" algn="just">
+              <a:lnSpc>
+                <a:spcPct val="150000"/>
+              </a:lnSpc>
+              <a:buFont typeface="Segoe UI Light" panose="020B0502040204020203" pitchFamily="34" charset="0"/>
+              <a:buChar char="›"/>
+            </a:pPr>
+            <a:endParaRPr lang="en-IN" sz="2200" dirty="0">
+              <a:latin typeface="+mj-lt"/>
+              <a:cs typeface="Segoe UI" panose="020B0502040204020203" pitchFamily="34" charset="0"/>
+            </a:endParaRPr>
+          </a:p>
+        </p:txBody>
+      </p:sp>
+      <p:sp>
+        <p:nvSpPr>
+          <p:cNvPr id="2" name="Date Placeholder 1">
+            <a:extLst>
+              <a:ext uri="{FF2B5EF4-FFF2-40B4-BE49-F238E27FC236}">
+                <a16:creationId xmlns:a16="http://schemas.microsoft.com/office/drawing/2014/main" id="{A071ED04-F628-1213-2945-688588EED3E5}"/>
+              </a:ext>
+            </a:extLst>
+          </p:cNvPr>
+          <p:cNvSpPr>
+            <a:spLocks noGrp="1"/>
+          </p:cNvSpPr>
+          <p:nvPr>
+            <p:ph type="dt" sz="half" idx="10"/>
+          </p:nvPr>
+        </p:nvSpPr>
+        <p:spPr/>
+        <p:txBody>
+          <a:bodyPr/>
+          <a:lstStyle/>
+          <a:p>
+            <a:fld id="{0A4B7B97-EF55-4ABD-B240-CD66E124DD4B}" type="datetime1">
+              <a:rPr lang="en-US" smtClean="0"/>
+              <a:t>7/7/2023</a:t>
+            </a:fld>
+            <a:endParaRPr lang="en-US" dirty="0"/>
+          </a:p>
+        </p:txBody>
+      </p:sp>
+      <p:sp>
+        <p:nvSpPr>
+          <p:cNvPr id="3" name="Slide Number Placeholder 2">
+            <a:extLst>
+              <a:ext uri="{FF2B5EF4-FFF2-40B4-BE49-F238E27FC236}">
+                <a16:creationId xmlns:a16="http://schemas.microsoft.com/office/drawing/2014/main" id="{112822A2-D746-90EC-0A2E-438387841833}"/>
+              </a:ext>
+            </a:extLst>
+          </p:cNvPr>
+          <p:cNvSpPr>
+            <a:spLocks noGrp="1"/>
+          </p:cNvSpPr>
+          <p:nvPr>
+            <p:ph type="sldNum" sz="quarter" idx="12"/>
+          </p:nvPr>
+        </p:nvSpPr>
+        <p:spPr/>
+        <p:txBody>
+          <a:bodyPr/>
+          <a:lstStyle/>
+          <a:p>
+            <a:fld id="{06FEDF93-2BFD-41CA-ABC7-B039102F3792}" type="slidenum">
+              <a:rPr lang="en-US" smtClean="0"/>
+              <a:t>25</a:t>
+            </a:fld>
+            <a:endParaRPr lang="en-US" dirty="0"/>
+          </a:p>
+        </p:txBody>
+      </p:sp>
+      <p:sp>
+        <p:nvSpPr>
+          <p:cNvPr id="4" name="Footer Placeholder 3">
+            <a:extLst>
+              <a:ext uri="{FF2B5EF4-FFF2-40B4-BE49-F238E27FC236}">
+                <a16:creationId xmlns:a16="http://schemas.microsoft.com/office/drawing/2014/main" id="{41B1F68D-8B68-2E27-0281-14A1BB9D06FC}"/>
+              </a:ext>
+            </a:extLst>
+          </p:cNvPr>
+          <p:cNvSpPr>
+            <a:spLocks noGrp="1"/>
+          </p:cNvSpPr>
+          <p:nvPr>
+            <p:ph type="ftr" sz="quarter" idx="11"/>
+          </p:nvPr>
+        </p:nvSpPr>
+        <p:spPr/>
+        <p:txBody>
+          <a:bodyPr/>
+          <a:lstStyle/>
+          <a:p>
+            <a:r>
+              <a:rPr lang="en-US"/>
+              <a:t>BDTM (N2MBA07), Dept of MBA, SIT - Tumkuru</a:t>
+            </a:r>
+            <a:endParaRPr lang="en-US" dirty="0"/>
+          </a:p>
+        </p:txBody>
+      </p:sp>
+    </p:spTree>
+    <p:extLst>
+      <p:ext uri="{BB962C8B-B14F-4D97-AF65-F5344CB8AC3E}">
+        <p14:creationId xmlns:p14="http://schemas.microsoft.com/office/powerpoint/2010/main" val="3599447514"/>
+      </p:ext>
+    </p:extLst>
+  </p:cSld>
+  <p:clrMapOvr>
+    <a:masterClrMapping/>
+  </p:clrMapOvr>
+</p:sld>
+</file>
+
+<file path=ppt/slides/slide26.xml><?xml version="1.0" encoding="utf-8"?>
 <p:sld xmlns:a="http://schemas.openxmlformats.org/drawingml/2006/main" xmlns:r="http://schemas.openxmlformats.org/officeDocument/2006/relationships" xmlns:p="http://schemas.openxmlformats.org/presentationml/2006/main">
   <p:cSld>
     <p:spTree>
@@ -31517,7 +32874,7 @@
               </a:ln>
               <a:extLst>
                 <a:ext uri="{91240B29-F687-4f45-9708-019B960494DF}">
-                  <a14:hiddenLine xmlns="" xmlns:a14="http://schemas.microsoft.com/office/drawing/2010/main" w="9525">
+                  <a14:hiddenLine xmlns:a14="http://schemas.microsoft.com/office/drawing/2010/main" xmlns="" w="9525">
                     <a:solidFill>
                       <a:srgbClr val="000000"/>
                     </a:solidFill>
@@ -31855,7 +33212,7 @@
               </a:ln>
               <a:extLst>
                 <a:ext uri="{91240B29-F687-4f45-9708-019B960494DF}">
-                  <a14:hiddenLine xmlns="" xmlns:a14="http://schemas.microsoft.com/office/drawing/2010/main" w="9525">
+                  <a14:hiddenLine xmlns:a14="http://schemas.microsoft.com/office/drawing/2010/main" xmlns="" w="9525">
                     <a:solidFill>
                       <a:srgbClr val="000000"/>
                     </a:solidFill>
@@ -32013,7 +33370,7 @@
               </a:ln>
               <a:extLst>
                 <a:ext uri="{91240B29-F687-4f45-9708-019B960494DF}">
-                  <a14:hiddenLine xmlns="" xmlns:a14="http://schemas.microsoft.com/office/drawing/2010/main" w="9525">
+                  <a14:hiddenLine xmlns:a14="http://schemas.microsoft.com/office/drawing/2010/main" xmlns="" w="9525">
                     <a:solidFill>
                       <a:srgbClr val="000000"/>
                     </a:solidFill>
@@ -32199,7 +33556,7 @@
               </a:ln>
               <a:extLst>
                 <a:ext uri="{91240B29-F687-4f45-9708-019B960494DF}">
-                  <a14:hiddenLine xmlns="" xmlns:a14="http://schemas.microsoft.com/office/drawing/2010/main" w="9525">
+                  <a14:hiddenLine xmlns:a14="http://schemas.microsoft.com/office/drawing/2010/main" xmlns="" w="9525">
                     <a:solidFill>
                       <a:srgbClr val="000000"/>
                     </a:solidFill>
@@ -32541,7 +33898,7 @@
               </a:ln>
               <a:extLst>
                 <a:ext uri="{91240B29-F687-4f45-9708-019B960494DF}">
-                  <a14:hiddenLine xmlns="" xmlns:a14="http://schemas.microsoft.com/office/drawing/2010/main" w="9525">
+                  <a14:hiddenLine xmlns:a14="http://schemas.microsoft.com/office/drawing/2010/main" xmlns="" w="9525">
                     <a:solidFill>
                       <a:srgbClr val="000000"/>
                     </a:solidFill>
@@ -32727,7 +34084,7 @@
               </a:ln>
               <a:extLst>
                 <a:ext uri="{91240B29-F687-4f45-9708-019B960494DF}">
-                  <a14:hiddenLine xmlns="" xmlns:a14="http://schemas.microsoft.com/office/drawing/2010/main" w="9525">
+                  <a14:hiddenLine xmlns:a14="http://schemas.microsoft.com/office/drawing/2010/main" xmlns="" w="9525">
                     <a:solidFill>
                       <a:srgbClr val="000000"/>
                     </a:solidFill>
@@ -33137,7 +34494,7 @@
               </a:ln>
               <a:extLst>
                 <a:ext uri="{91240B29-F687-4f45-9708-019B960494DF}">
-                  <a14:hiddenLine xmlns="" xmlns:a14="http://schemas.microsoft.com/office/drawing/2010/main" w="9525">
+                  <a14:hiddenLine xmlns:a14="http://schemas.microsoft.com/office/drawing/2010/main" xmlns="" w="9525">
                     <a:solidFill>
                       <a:srgbClr val="000000"/>
                     </a:solidFill>
@@ -33477,7 +34834,7 @@
               </a:ln>
               <a:extLst>
                 <a:ext uri="{91240B29-F687-4f45-9708-019B960494DF}">
-                  <a14:hiddenLine xmlns="" xmlns:a14="http://schemas.microsoft.com/office/drawing/2010/main" w="9525">
+                  <a14:hiddenLine xmlns:a14="http://schemas.microsoft.com/office/drawing/2010/main" xmlns="" w="9525">
                     <a:solidFill>
                       <a:srgbClr val="000000"/>
                     </a:solidFill>
@@ -33961,7 +35318,7 @@
               </a:ln>
               <a:extLst>
                 <a:ext uri="{91240B29-F687-4f45-9708-019B960494DF}">
-                  <a14:hiddenLine xmlns="" xmlns:a14="http://schemas.microsoft.com/office/drawing/2010/main" w="9525">
+                  <a14:hiddenLine xmlns:a14="http://schemas.microsoft.com/office/drawing/2010/main" xmlns="" w="9525">
                     <a:solidFill>
                       <a:srgbClr val="000000"/>
                     </a:solidFill>
@@ -34119,7 +35476,7 @@
               </a:ln>
               <a:extLst>
                 <a:ext uri="{91240B29-F687-4f45-9708-019B960494DF}">
-                  <a14:hiddenLine xmlns="" xmlns:a14="http://schemas.microsoft.com/office/drawing/2010/main" w="9525">
+                  <a14:hiddenLine xmlns:a14="http://schemas.microsoft.com/office/drawing/2010/main" xmlns="" w="9525">
                     <a:solidFill>
                       <a:srgbClr val="000000"/>
                     </a:solidFill>
@@ -34384,7 +35741,7 @@
                 </a:ln>
                 <a:extLst>
                   <a:ext uri="{91240B29-F687-4f45-9708-019B960494DF}">
-                    <a14:hiddenLine xmlns="" xmlns:a14="http://schemas.microsoft.com/office/drawing/2010/main" w="9525">
+                    <a14:hiddenLine xmlns:a14="http://schemas.microsoft.com/office/drawing/2010/main" xmlns="" w="9525">
                       <a:solidFill>
                         <a:srgbClr val="000000"/>
                       </a:solidFill>
@@ -34743,7 +36100,7 @@
                 </a:ln>
                 <a:extLst>
                   <a:ext uri="{91240B29-F687-4f45-9708-019B960494DF}">
-                    <a14:hiddenLine xmlns="" xmlns:a14="http://schemas.microsoft.com/office/drawing/2010/main" w="9525">
+                    <a14:hiddenLine xmlns:a14="http://schemas.microsoft.com/office/drawing/2010/main" xmlns="" w="9525">
                       <a:solidFill>
                         <a:srgbClr val="000000"/>
                       </a:solidFill>
@@ -34901,7 +36258,7 @@
           <a:p>
             <a:fld id="{06FEDF93-2BFD-41CA-ABC7-B039102F3792}" type="slidenum">
               <a:rPr lang="en-US" smtClean="0"/>
-              <a:t>23</a:t>
+              <a:t>26</a:t>
             </a:fld>
             <a:endParaRPr lang="en-US" dirty="0"/>
           </a:p>
@@ -34949,7 +36306,7 @@
 </p:sld>
 </file>
 
-<file path=ppt/slides/slide24.xml><?xml version="1.0" encoding="utf-8"?>
+<file path=ppt/slides/slide27.xml><?xml version="1.0" encoding="utf-8"?>
 <p:sld xmlns:a="http://schemas.openxmlformats.org/drawingml/2006/main" xmlns:r="http://schemas.openxmlformats.org/officeDocument/2006/relationships" xmlns:p="http://schemas.openxmlformats.org/presentationml/2006/main">
   <p:cSld>
     <p:spTree>
@@ -35314,68 +36671,6 @@
           </p:txBody>
         </p:sp>
       </p:grpSp>
-      <p:sp>
-        <p:nvSpPr>
-          <p:cNvPr id="16" name="Oval 15">
-            <a:extLst>
-              <a:ext uri="{FF2B5EF4-FFF2-40B4-BE49-F238E27FC236}">
-                <a16:creationId xmlns:a16="http://schemas.microsoft.com/office/drawing/2014/main" id="{9AF32C62-C052-757A-075D-FE6D563F7149}"/>
-              </a:ext>
-              <a:ext uri="{C183D7F6-B498-43B3-948B-1728B52AA6E4}">
-                <adec:decorative xmlns:adec="http://schemas.microsoft.com/office/drawing/2017/decorative" val="1"/>
-              </a:ext>
-            </a:extLst>
-          </p:cNvPr>
-          <p:cNvSpPr/>
-          <p:nvPr/>
-        </p:nvSpPr>
-        <p:spPr>
-          <a:xfrm>
-            <a:off x="6816725" y="2364125"/>
-            <a:ext cx="2578100" cy="2516443"/>
-          </a:xfrm>
-          <a:prstGeom prst="ellipse">
-            <a:avLst/>
-          </a:prstGeom>
-          <a:solidFill>
-            <a:schemeClr val="accent4">
-              <a:lumMod val="75000"/>
-            </a:schemeClr>
-          </a:solidFill>
-          <a:ln>
-            <a:noFill/>
-          </a:ln>
-        </p:spPr>
-        <p:style>
-          <a:lnRef idx="2">
-            <a:schemeClr val="accent1">
-              <a:shade val="50000"/>
-            </a:schemeClr>
-          </a:lnRef>
-          <a:fillRef idx="1">
-            <a:schemeClr val="accent1"/>
-          </a:fillRef>
-          <a:effectRef idx="0">
-            <a:schemeClr val="accent1"/>
-          </a:effectRef>
-          <a:fontRef idx="minor">
-            <a:schemeClr val="lt1"/>
-          </a:fontRef>
-        </p:style>
-        <p:txBody>
-          <a:bodyPr rtlCol="0" anchor="ctr"/>
-          <a:lstStyle/>
-          <a:p>
-            <a:pPr algn="ctr"/>
-            <a:r>
-              <a:rPr lang="en-US" sz="4000" dirty="0">
-                <a:latin typeface="+mj-lt"/>
-              </a:rPr>
-              <a:t>Big Data</a:t>
-            </a:r>
-          </a:p>
-        </p:txBody>
-      </p:sp>
       <p:cxnSp>
         <p:nvCxnSpPr>
           <p:cNvPr id="21" name="Straight Connector 20">
@@ -35698,7 +36993,7 @@
           <a:p>
             <a:fld id="{06FEDF93-2BFD-41CA-ABC7-B039102F3792}" type="slidenum">
               <a:rPr lang="en-US" smtClean="0"/>
-              <a:t>24</a:t>
+              <a:t>27</a:t>
             </a:fld>
             <a:endParaRPr lang="en-US" dirty="0"/>
           </a:p>
@@ -35746,7 +37041,804 @@
 </p:sld>
 </file>
 
-<file path=ppt/slides/slide25.xml><?xml version="1.0" encoding="utf-8"?>
+<file path=ppt/slides/slide28.xml><?xml version="1.0" encoding="utf-8"?>
+<p:sld xmlns:a="http://schemas.openxmlformats.org/drawingml/2006/main" xmlns:r="http://schemas.openxmlformats.org/officeDocument/2006/relationships" xmlns:p="http://schemas.openxmlformats.org/presentationml/2006/main">
+  <p:cSld>
+    <p:spTree>
+      <p:nvGrpSpPr>
+        <p:cNvPr id="1" name=""/>
+        <p:cNvGrpSpPr/>
+        <p:nvPr/>
+      </p:nvGrpSpPr>
+      <p:grpSpPr>
+        <a:xfrm>
+          <a:off x="0" y="0"/>
+          <a:ext cx="0" cy="0"/>
+          <a:chOff x="0" y="0"/>
+          <a:chExt cx="0" cy="0"/>
+        </a:xfrm>
+      </p:grpSpPr>
+      <p:grpSp>
+        <p:nvGrpSpPr>
+          <p:cNvPr id="11" name="Group 10">
+            <a:extLst>
+              <a:ext uri="{FF2B5EF4-FFF2-40B4-BE49-F238E27FC236}">
+                <a16:creationId xmlns:a16="http://schemas.microsoft.com/office/drawing/2014/main" id="{A6F4E3A5-AA4C-D1D9-C898-EED10F3D902B}"/>
+              </a:ext>
+            </a:extLst>
+          </p:cNvPr>
+          <p:cNvGrpSpPr/>
+          <p:nvPr/>
+        </p:nvGrpSpPr>
+        <p:grpSpPr>
+          <a:xfrm>
+            <a:off x="2828132" y="1368377"/>
+            <a:ext cx="1587500" cy="1587500"/>
+            <a:chOff x="1723232" y="1786303"/>
+            <a:chExt cx="1587500" cy="1587500"/>
+          </a:xfrm>
+        </p:grpSpPr>
+        <p:sp>
+          <p:nvSpPr>
+            <p:cNvPr id="2" name="Oval 1">
+              <a:extLst>
+                <a:ext uri="{FF2B5EF4-FFF2-40B4-BE49-F238E27FC236}">
+                  <a16:creationId xmlns:a16="http://schemas.microsoft.com/office/drawing/2014/main" id="{8A7C500D-95E0-3D75-12E6-0EA476FBBE07}"/>
+                </a:ext>
+                <a:ext uri="{C183D7F6-B498-43B3-948B-1728B52AA6E4}">
+                  <adec:decorative xmlns:adec="http://schemas.microsoft.com/office/drawing/2017/decorative" val="1"/>
+                </a:ext>
+              </a:extLst>
+            </p:cNvPr>
+            <p:cNvSpPr/>
+            <p:nvPr/>
+          </p:nvSpPr>
+          <p:spPr>
+            <a:xfrm>
+              <a:off x="1723232" y="1786303"/>
+              <a:ext cx="1587500" cy="1587500"/>
+            </a:xfrm>
+            <a:prstGeom prst="ellipse">
+              <a:avLst/>
+            </a:prstGeom>
+            <a:solidFill>
+              <a:schemeClr val="accent3"/>
+            </a:solidFill>
+            <a:ln>
+              <a:noFill/>
+            </a:ln>
+          </p:spPr>
+          <p:style>
+            <a:lnRef idx="2">
+              <a:schemeClr val="accent1">
+                <a:shade val="50000"/>
+              </a:schemeClr>
+            </a:lnRef>
+            <a:fillRef idx="1">
+              <a:schemeClr val="accent1"/>
+            </a:fillRef>
+            <a:effectRef idx="0">
+              <a:schemeClr val="accent1"/>
+            </a:effectRef>
+            <a:fontRef idx="minor">
+              <a:schemeClr val="lt1"/>
+            </a:fontRef>
+          </p:style>
+          <p:txBody>
+            <a:bodyPr rtlCol="0" anchor="ctr"/>
+            <a:lstStyle/>
+            <a:p>
+              <a:pPr algn="ctr"/>
+              <a:endParaRPr lang="en-US" sz="1400" dirty="0"/>
+            </a:p>
+          </p:txBody>
+        </p:sp>
+        <p:sp>
+          <p:nvSpPr>
+            <p:cNvPr id="7" name="Rectangle 6">
+              <a:extLst>
+                <a:ext uri="{FF2B5EF4-FFF2-40B4-BE49-F238E27FC236}">
+                  <a16:creationId xmlns:a16="http://schemas.microsoft.com/office/drawing/2014/main" id="{C81E7410-44AD-CAF2-D420-68D3D81B3087}"/>
+                </a:ext>
+              </a:extLst>
+            </p:cNvPr>
+            <p:cNvSpPr/>
+            <p:nvPr/>
+          </p:nvSpPr>
+          <p:spPr>
+            <a:xfrm>
+              <a:off x="1831182" y="2318444"/>
+              <a:ext cx="1371600" cy="523220"/>
+            </a:xfrm>
+            <a:prstGeom prst="rect">
+              <a:avLst/>
+            </a:prstGeom>
+          </p:spPr>
+          <p:txBody>
+            <a:bodyPr wrap="square" lIns="0" tIns="0" rIns="0" bIns="0" anchor="ctr">
+              <a:spAutoFit/>
+            </a:bodyPr>
+            <a:lstStyle/>
+            <a:p>
+              <a:pPr algn="ctr"/>
+              <a:r>
+                <a:rPr lang="en-US" sz="1700" dirty="0">
+                  <a:solidFill>
+                    <a:schemeClr val="bg1"/>
+                  </a:solidFill>
+                  <a:latin typeface="+mj-lt"/>
+                </a:rPr>
+                <a:t>Structured data</a:t>
+              </a:r>
+            </a:p>
+          </p:txBody>
+        </p:sp>
+      </p:grpSp>
+      <p:grpSp>
+        <p:nvGrpSpPr>
+          <p:cNvPr id="12" name="Group 11">
+            <a:extLst>
+              <a:ext uri="{FF2B5EF4-FFF2-40B4-BE49-F238E27FC236}">
+                <a16:creationId xmlns:a16="http://schemas.microsoft.com/office/drawing/2014/main" id="{88065366-E81C-0641-12C0-672FDB73384F}"/>
+              </a:ext>
+            </a:extLst>
+          </p:cNvPr>
+          <p:cNvGrpSpPr/>
+          <p:nvPr/>
+        </p:nvGrpSpPr>
+        <p:grpSpPr>
+          <a:xfrm>
+            <a:off x="2828132" y="4747602"/>
+            <a:ext cx="1587500" cy="1587500"/>
+            <a:chOff x="1723232" y="4071326"/>
+            <a:chExt cx="1587500" cy="1587500"/>
+          </a:xfrm>
+        </p:grpSpPr>
+        <p:sp>
+          <p:nvSpPr>
+            <p:cNvPr id="3" name="Oval 2">
+              <a:extLst>
+                <a:ext uri="{FF2B5EF4-FFF2-40B4-BE49-F238E27FC236}">
+                  <a16:creationId xmlns:a16="http://schemas.microsoft.com/office/drawing/2014/main" id="{55FC0D1F-7243-54E9-B579-3C3BBC2E73D7}"/>
+                </a:ext>
+                <a:ext uri="{C183D7F6-B498-43B3-948B-1728B52AA6E4}">
+                  <adec:decorative xmlns:adec="http://schemas.microsoft.com/office/drawing/2017/decorative" val="1"/>
+                </a:ext>
+              </a:extLst>
+            </p:cNvPr>
+            <p:cNvSpPr/>
+            <p:nvPr/>
+          </p:nvSpPr>
+          <p:spPr>
+            <a:xfrm>
+              <a:off x="1723232" y="4071326"/>
+              <a:ext cx="1587500" cy="1587500"/>
+            </a:xfrm>
+            <a:prstGeom prst="ellipse">
+              <a:avLst/>
+            </a:prstGeom>
+            <a:solidFill>
+              <a:schemeClr val="accent3"/>
+            </a:solidFill>
+            <a:ln>
+              <a:noFill/>
+            </a:ln>
+          </p:spPr>
+          <p:style>
+            <a:lnRef idx="2">
+              <a:schemeClr val="accent1">
+                <a:shade val="50000"/>
+              </a:schemeClr>
+            </a:lnRef>
+            <a:fillRef idx="1">
+              <a:schemeClr val="accent1"/>
+            </a:fillRef>
+            <a:effectRef idx="0">
+              <a:schemeClr val="accent1"/>
+            </a:effectRef>
+            <a:fontRef idx="minor">
+              <a:schemeClr val="lt1"/>
+            </a:fontRef>
+          </p:style>
+          <p:txBody>
+            <a:bodyPr rtlCol="0" anchor="ctr"/>
+            <a:lstStyle/>
+            <a:p>
+              <a:pPr algn="ctr"/>
+              <a:endParaRPr lang="en-US" dirty="0"/>
+            </a:p>
+          </p:txBody>
+        </p:sp>
+        <p:sp>
+          <p:nvSpPr>
+            <p:cNvPr id="8" name="Rectangle 7">
+              <a:extLst>
+                <a:ext uri="{FF2B5EF4-FFF2-40B4-BE49-F238E27FC236}">
+                  <a16:creationId xmlns:a16="http://schemas.microsoft.com/office/drawing/2014/main" id="{3BE17F7B-D34C-DC58-842F-AE82A66B0A70}"/>
+                </a:ext>
+              </a:extLst>
+            </p:cNvPr>
+            <p:cNvSpPr/>
+            <p:nvPr/>
+          </p:nvSpPr>
+          <p:spPr>
+            <a:xfrm>
+              <a:off x="1831182" y="4603466"/>
+              <a:ext cx="1371600" cy="523220"/>
+            </a:xfrm>
+            <a:prstGeom prst="rect">
+              <a:avLst/>
+            </a:prstGeom>
+          </p:spPr>
+          <p:txBody>
+            <a:bodyPr wrap="square" lIns="0" tIns="0" rIns="0" bIns="0" anchor="ctr">
+              <a:spAutoFit/>
+            </a:bodyPr>
+            <a:lstStyle/>
+            <a:p>
+              <a:pPr algn="ctr"/>
+              <a:r>
+                <a:rPr lang="en-US" sz="1700" dirty="0">
+                  <a:solidFill>
+                    <a:schemeClr val="bg1"/>
+                  </a:solidFill>
+                  <a:latin typeface="+mj-lt"/>
+                </a:rPr>
+                <a:t>Unstructured data</a:t>
+              </a:r>
+            </a:p>
+          </p:txBody>
+        </p:sp>
+      </p:grpSp>
+      <p:grpSp>
+        <p:nvGrpSpPr>
+          <p:cNvPr id="13" name="Group 12">
+            <a:extLst>
+              <a:ext uri="{FF2B5EF4-FFF2-40B4-BE49-F238E27FC236}">
+                <a16:creationId xmlns:a16="http://schemas.microsoft.com/office/drawing/2014/main" id="{B113BBB7-7C36-AE08-3084-26A4C71BA104}"/>
+              </a:ext>
+            </a:extLst>
+          </p:cNvPr>
+          <p:cNvGrpSpPr/>
+          <p:nvPr/>
+        </p:nvGrpSpPr>
+        <p:grpSpPr>
+          <a:xfrm>
+            <a:off x="2828132" y="3052223"/>
+            <a:ext cx="1587500" cy="1587500"/>
+            <a:chOff x="4109244" y="2928814"/>
+            <a:chExt cx="1587500" cy="1587500"/>
+          </a:xfrm>
+        </p:grpSpPr>
+        <p:sp>
+          <p:nvSpPr>
+            <p:cNvPr id="4" name="Oval 3">
+              <a:extLst>
+                <a:ext uri="{FF2B5EF4-FFF2-40B4-BE49-F238E27FC236}">
+                  <a16:creationId xmlns:a16="http://schemas.microsoft.com/office/drawing/2014/main" id="{040C0E00-00B6-1A6C-F0FF-2917DC273502}"/>
+                </a:ext>
+                <a:ext uri="{C183D7F6-B498-43B3-948B-1728B52AA6E4}">
+                  <adec:decorative xmlns:adec="http://schemas.microsoft.com/office/drawing/2017/decorative" val="1"/>
+                </a:ext>
+              </a:extLst>
+            </p:cNvPr>
+            <p:cNvSpPr/>
+            <p:nvPr/>
+          </p:nvSpPr>
+          <p:spPr>
+            <a:xfrm>
+              <a:off x="4109244" y="2928814"/>
+              <a:ext cx="1587500" cy="1587500"/>
+            </a:xfrm>
+            <a:prstGeom prst="ellipse">
+              <a:avLst/>
+            </a:prstGeom>
+            <a:solidFill>
+              <a:srgbClr val="11AEC7"/>
+            </a:solidFill>
+            <a:ln>
+              <a:noFill/>
+            </a:ln>
+          </p:spPr>
+          <p:style>
+            <a:lnRef idx="2">
+              <a:schemeClr val="accent1">
+                <a:shade val="50000"/>
+              </a:schemeClr>
+            </a:lnRef>
+            <a:fillRef idx="1">
+              <a:schemeClr val="accent1"/>
+            </a:fillRef>
+            <a:effectRef idx="0">
+              <a:schemeClr val="accent1"/>
+            </a:effectRef>
+            <a:fontRef idx="minor">
+              <a:schemeClr val="lt1"/>
+            </a:fontRef>
+          </p:style>
+          <p:txBody>
+            <a:bodyPr rtlCol="0" anchor="ctr"/>
+            <a:lstStyle/>
+            <a:p>
+              <a:pPr algn="ctr"/>
+              <a:endParaRPr lang="en-US" dirty="0"/>
+            </a:p>
+          </p:txBody>
+        </p:sp>
+        <p:sp>
+          <p:nvSpPr>
+            <p:cNvPr id="9" name="Rectangle 8">
+              <a:extLst>
+                <a:ext uri="{FF2B5EF4-FFF2-40B4-BE49-F238E27FC236}">
+                  <a16:creationId xmlns:a16="http://schemas.microsoft.com/office/drawing/2014/main" id="{1E7BDE4D-777E-D0C2-87B6-A3CB8DA2A47E}"/>
+                </a:ext>
+              </a:extLst>
+            </p:cNvPr>
+            <p:cNvSpPr/>
+            <p:nvPr/>
+          </p:nvSpPr>
+          <p:spPr>
+            <a:xfrm>
+              <a:off x="4217194" y="3330150"/>
+              <a:ext cx="1371600" cy="784830"/>
+            </a:xfrm>
+            <a:prstGeom prst="rect">
+              <a:avLst/>
+            </a:prstGeom>
+          </p:spPr>
+          <p:txBody>
+            <a:bodyPr wrap="square" lIns="0" tIns="0" rIns="0" bIns="0" anchor="ctr">
+              <a:spAutoFit/>
+            </a:bodyPr>
+            <a:lstStyle/>
+            <a:p>
+              <a:pPr algn="ctr"/>
+              <a:r>
+                <a:rPr lang="en-US" sz="1700" dirty="0">
+                  <a:solidFill>
+                    <a:schemeClr val="bg1"/>
+                  </a:solidFill>
+                  <a:latin typeface="+mj-lt"/>
+                </a:rPr>
+                <a:t>Semi-Structured data</a:t>
+              </a:r>
+            </a:p>
+          </p:txBody>
+        </p:sp>
+      </p:grpSp>
+      <p:sp>
+        <p:nvSpPr>
+          <p:cNvPr id="16" name="Oval 15">
+            <a:extLst>
+              <a:ext uri="{FF2B5EF4-FFF2-40B4-BE49-F238E27FC236}">
+                <a16:creationId xmlns:a16="http://schemas.microsoft.com/office/drawing/2014/main" id="{9AF32C62-C052-757A-075D-FE6D563F7149}"/>
+              </a:ext>
+              <a:ext uri="{C183D7F6-B498-43B3-948B-1728B52AA6E4}">
+                <adec:decorative xmlns:adec="http://schemas.microsoft.com/office/drawing/2017/decorative" val="1"/>
+              </a:ext>
+            </a:extLst>
+          </p:cNvPr>
+          <p:cNvSpPr/>
+          <p:nvPr/>
+        </p:nvSpPr>
+        <p:spPr>
+          <a:xfrm>
+            <a:off x="6816725" y="2364125"/>
+            <a:ext cx="2578100" cy="2516443"/>
+          </a:xfrm>
+          <a:prstGeom prst="ellipse">
+            <a:avLst/>
+          </a:prstGeom>
+          <a:solidFill>
+            <a:schemeClr val="accent4">
+              <a:lumMod val="75000"/>
+            </a:schemeClr>
+          </a:solidFill>
+          <a:ln>
+            <a:noFill/>
+          </a:ln>
+        </p:spPr>
+        <p:style>
+          <a:lnRef idx="2">
+            <a:schemeClr val="accent1">
+              <a:shade val="50000"/>
+            </a:schemeClr>
+          </a:lnRef>
+          <a:fillRef idx="1">
+            <a:schemeClr val="accent1"/>
+          </a:fillRef>
+          <a:effectRef idx="0">
+            <a:schemeClr val="accent1"/>
+          </a:effectRef>
+          <a:fontRef idx="minor">
+            <a:schemeClr val="lt1"/>
+          </a:fontRef>
+        </p:style>
+        <p:txBody>
+          <a:bodyPr rtlCol="0" anchor="ctr"/>
+          <a:lstStyle/>
+          <a:p>
+            <a:pPr algn="ctr"/>
+            <a:r>
+              <a:rPr lang="en-US" sz="4000" dirty="0">
+                <a:latin typeface="+mj-lt"/>
+              </a:rPr>
+              <a:t>Big Data</a:t>
+            </a:r>
+          </a:p>
+        </p:txBody>
+      </p:sp>
+      <p:cxnSp>
+        <p:nvCxnSpPr>
+          <p:cNvPr id="21" name="Straight Connector 20">
+            <a:extLst>
+              <a:ext uri="{FF2B5EF4-FFF2-40B4-BE49-F238E27FC236}">
+                <a16:creationId xmlns:a16="http://schemas.microsoft.com/office/drawing/2014/main" id="{71199E99-49D0-2887-95F4-830FB6D65E78}"/>
+              </a:ext>
+              <a:ext uri="{C183D7F6-B498-43B3-948B-1728B52AA6E4}">
+                <adec:decorative xmlns:adec="http://schemas.microsoft.com/office/drawing/2017/decorative" val="1"/>
+              </a:ext>
+            </a:extLst>
+          </p:cNvPr>
+          <p:cNvCxnSpPr>
+            <a:cxnSpLocks/>
+          </p:cNvCxnSpPr>
+          <p:nvPr/>
+        </p:nvCxnSpPr>
+        <p:spPr>
+          <a:xfrm>
+            <a:off x="8351520" y="522898"/>
+            <a:ext cx="3840480" cy="0"/>
+          </a:xfrm>
+          <a:prstGeom prst="line">
+            <a:avLst/>
+          </a:prstGeom>
+          <a:ln>
+            <a:solidFill>
+              <a:schemeClr val="tx1"/>
+            </a:solidFill>
+            <a:headEnd type="oval"/>
+          </a:ln>
+        </p:spPr>
+        <p:style>
+          <a:lnRef idx="1">
+            <a:schemeClr val="accent1"/>
+          </a:lnRef>
+          <a:fillRef idx="0">
+            <a:schemeClr val="accent1"/>
+          </a:fillRef>
+          <a:effectRef idx="0">
+            <a:schemeClr val="accent1"/>
+          </a:effectRef>
+          <a:fontRef idx="minor">
+            <a:schemeClr val="tx1"/>
+          </a:fontRef>
+        </p:style>
+      </p:cxnSp>
+      <p:sp>
+        <p:nvSpPr>
+          <p:cNvPr id="22" name="Title 1">
+            <a:extLst>
+              <a:ext uri="{FF2B5EF4-FFF2-40B4-BE49-F238E27FC236}">
+                <a16:creationId xmlns:a16="http://schemas.microsoft.com/office/drawing/2014/main" id="{912DDB8F-CF75-15FC-6834-0491A3A95395}"/>
+              </a:ext>
+            </a:extLst>
+          </p:cNvPr>
+          <p:cNvSpPr txBox="1">
+            <a:spLocks/>
+          </p:cNvSpPr>
+          <p:nvPr/>
+        </p:nvSpPr>
+        <p:spPr>
+          <a:xfrm>
+            <a:off x="228600" y="317500"/>
+            <a:ext cx="11734800" cy="387798"/>
+          </a:xfrm>
+          <a:prstGeom prst="rect">
+            <a:avLst/>
+          </a:prstGeom>
+        </p:spPr>
+        <p:txBody>
+          <a:bodyPr vert="horz" wrap="square" lIns="0" tIns="0" rIns="0" bIns="0" rtlCol="0" anchor="t">
+            <a:spAutoFit/>
+          </a:bodyPr>
+          <a:lstStyle>
+            <a:lvl1pPr algn="l" defTabSz="914400" rtl="0" eaLnBrk="1" latinLnBrk="0" hangingPunct="1">
+              <a:lnSpc>
+                <a:spcPct val="90000"/>
+              </a:lnSpc>
+              <a:spcBef>
+                <a:spcPct val="0"/>
+              </a:spcBef>
+              <a:buNone/>
+              <a:defRPr sz="4400" kern="1200">
+                <a:solidFill>
+                  <a:schemeClr val="tx1"/>
+                </a:solidFill>
+                <a:latin typeface="+mj-lt"/>
+                <a:ea typeface="+mj-ea"/>
+                <a:cs typeface="+mj-cs"/>
+              </a:defRPr>
+            </a:lvl1pPr>
+          </a:lstStyle>
+          <a:p>
+            <a:pPr algn="ctr"/>
+            <a:r>
+              <a:rPr lang="en-US" sz="2800" b="1" dirty="0"/>
+              <a:t>What if it gets combine?</a:t>
+            </a:r>
+            <a:endParaRPr lang="en-US" sz="2800" dirty="0"/>
+          </a:p>
+        </p:txBody>
+      </p:sp>
+      <p:cxnSp>
+        <p:nvCxnSpPr>
+          <p:cNvPr id="23" name="Straight Connector 22">
+            <a:extLst>
+              <a:ext uri="{FF2B5EF4-FFF2-40B4-BE49-F238E27FC236}">
+                <a16:creationId xmlns:a16="http://schemas.microsoft.com/office/drawing/2014/main" id="{BF2ACE93-39E2-08EA-B032-ECC5C4F6C7CB}"/>
+              </a:ext>
+              <a:ext uri="{C183D7F6-B498-43B3-948B-1728B52AA6E4}">
+                <adec:decorative xmlns:adec="http://schemas.microsoft.com/office/drawing/2017/decorative" val="1"/>
+              </a:ext>
+            </a:extLst>
+          </p:cNvPr>
+          <p:cNvCxnSpPr>
+            <a:cxnSpLocks/>
+          </p:cNvCxnSpPr>
+          <p:nvPr/>
+        </p:nvCxnSpPr>
+        <p:spPr>
+          <a:xfrm>
+            <a:off x="0" y="522898"/>
+            <a:ext cx="3794760" cy="0"/>
+          </a:xfrm>
+          <a:prstGeom prst="line">
+            <a:avLst/>
+          </a:prstGeom>
+          <a:ln>
+            <a:solidFill>
+              <a:schemeClr val="tx1"/>
+            </a:solidFill>
+            <a:tailEnd type="oval"/>
+          </a:ln>
+        </p:spPr>
+        <p:style>
+          <a:lnRef idx="1">
+            <a:schemeClr val="accent1"/>
+          </a:lnRef>
+          <a:fillRef idx="0">
+            <a:schemeClr val="accent1"/>
+          </a:fillRef>
+          <a:effectRef idx="0">
+            <a:schemeClr val="accent1"/>
+          </a:effectRef>
+          <a:fontRef idx="minor">
+            <a:schemeClr val="tx1"/>
+          </a:fontRef>
+        </p:style>
+      </p:cxnSp>
+      <p:sp>
+        <p:nvSpPr>
+          <p:cNvPr id="24" name="Diagonal Stripe 23">
+            <a:extLst>
+              <a:ext uri="{FF2B5EF4-FFF2-40B4-BE49-F238E27FC236}">
+                <a16:creationId xmlns:a16="http://schemas.microsoft.com/office/drawing/2014/main" id="{D2F6FB2D-8969-4C44-5567-C735BD98FFDE}"/>
+              </a:ext>
+            </a:extLst>
+          </p:cNvPr>
+          <p:cNvSpPr/>
+          <p:nvPr/>
+        </p:nvSpPr>
+        <p:spPr>
+          <a:xfrm>
+            <a:off x="4908211" y="3690023"/>
+            <a:ext cx="1512168" cy="1512168"/>
+          </a:xfrm>
+          <a:prstGeom prst="diagStripe">
+            <a:avLst/>
+          </a:prstGeom>
+          <a:solidFill>
+            <a:srgbClr val="11AEC7"/>
+          </a:solidFill>
+          <a:ln w="12700">
+            <a:solidFill>
+              <a:srgbClr val="11AEC7"/>
+            </a:solidFill>
+          </a:ln>
+        </p:spPr>
+        <p:style>
+          <a:lnRef idx="2">
+            <a:schemeClr val="accent1">
+              <a:shade val="50000"/>
+            </a:schemeClr>
+          </a:lnRef>
+          <a:fillRef idx="1">
+            <a:schemeClr val="accent1"/>
+          </a:fillRef>
+          <a:effectRef idx="0">
+            <a:schemeClr val="accent1"/>
+          </a:effectRef>
+          <a:fontRef idx="minor">
+            <a:schemeClr val="lt1"/>
+          </a:fontRef>
+        </p:style>
+        <p:txBody>
+          <a:bodyPr lIns="91440" tIns="91440" rIns="91440" bIns="91440" rtlCol="0" anchor="ctr">
+            <a:noAutofit/>
+          </a:bodyPr>
+          <a:lstStyle/>
+          <a:p>
+            <a:pPr algn="ctr"/>
+            <a:endParaRPr lang="en-US" sz="1400" err="1">
+              <a:solidFill>
+                <a:schemeClr val="tx2"/>
+              </a:solidFill>
+            </a:endParaRPr>
+          </a:p>
+        </p:txBody>
+      </p:sp>
+      <p:sp>
+        <p:nvSpPr>
+          <p:cNvPr id="25" name="Diagonal Stripe 24">
+            <a:extLst>
+              <a:ext uri="{FF2B5EF4-FFF2-40B4-BE49-F238E27FC236}">
+                <a16:creationId xmlns:a16="http://schemas.microsoft.com/office/drawing/2014/main" id="{DA0B6467-7870-5207-459F-E037A92E1E72}"/>
+              </a:ext>
+            </a:extLst>
+          </p:cNvPr>
+          <p:cNvSpPr/>
+          <p:nvPr/>
+        </p:nvSpPr>
+        <p:spPr>
+          <a:xfrm flipV="1">
+            <a:off x="4908211" y="2110179"/>
+            <a:ext cx="1512168" cy="1512168"/>
+          </a:xfrm>
+          <a:prstGeom prst="diagStripe">
+            <a:avLst/>
+          </a:prstGeom>
+          <a:solidFill>
+            <a:srgbClr val="11AEC7"/>
+          </a:solidFill>
+          <a:ln w="12700">
+            <a:solidFill>
+              <a:srgbClr val="11AEC7"/>
+            </a:solidFill>
+          </a:ln>
+        </p:spPr>
+        <p:style>
+          <a:lnRef idx="2">
+            <a:schemeClr val="accent1">
+              <a:shade val="50000"/>
+            </a:schemeClr>
+          </a:lnRef>
+          <a:fillRef idx="1">
+            <a:schemeClr val="accent1"/>
+          </a:fillRef>
+          <a:effectRef idx="0">
+            <a:schemeClr val="accent1"/>
+          </a:effectRef>
+          <a:fontRef idx="minor">
+            <a:schemeClr val="lt1"/>
+          </a:fontRef>
+        </p:style>
+        <p:txBody>
+          <a:bodyPr lIns="91440" tIns="91440" rIns="91440" bIns="91440" rtlCol="0" anchor="ctr">
+            <a:noAutofit/>
+          </a:bodyPr>
+          <a:lstStyle/>
+          <a:p>
+            <a:pPr algn="ctr"/>
+            <a:endParaRPr lang="en-US" sz="1400" dirty="0">
+              <a:solidFill>
+                <a:schemeClr val="tx2"/>
+              </a:solidFill>
+            </a:endParaRPr>
+          </a:p>
+        </p:txBody>
+      </p:sp>
+      <p:sp>
+        <p:nvSpPr>
+          <p:cNvPr id="5" name="Date Placeholder 4">
+            <a:extLst>
+              <a:ext uri="{FF2B5EF4-FFF2-40B4-BE49-F238E27FC236}">
+                <a16:creationId xmlns:a16="http://schemas.microsoft.com/office/drawing/2014/main" id="{6E5E5DAD-A0CE-639A-7689-7EB1680A2CCC}"/>
+              </a:ext>
+            </a:extLst>
+          </p:cNvPr>
+          <p:cNvSpPr>
+            <a:spLocks noGrp="1"/>
+          </p:cNvSpPr>
+          <p:nvPr>
+            <p:ph type="dt" sz="half" idx="10"/>
+          </p:nvPr>
+        </p:nvSpPr>
+        <p:spPr/>
+        <p:txBody>
+          <a:bodyPr/>
+          <a:lstStyle/>
+          <a:p>
+            <a:fld id="{80295BCD-E926-471B-9449-9A4F743FBCA5}" type="datetime1">
+              <a:rPr lang="en-US" smtClean="0"/>
+              <a:t>7/7/2023</a:t>
+            </a:fld>
+            <a:endParaRPr lang="en-US" dirty="0"/>
+          </a:p>
+        </p:txBody>
+      </p:sp>
+      <p:sp>
+        <p:nvSpPr>
+          <p:cNvPr id="6" name="Slide Number Placeholder 5">
+            <a:extLst>
+              <a:ext uri="{FF2B5EF4-FFF2-40B4-BE49-F238E27FC236}">
+                <a16:creationId xmlns:a16="http://schemas.microsoft.com/office/drawing/2014/main" id="{D22C537C-9B09-D4FC-D1A2-7609A81EC25B}"/>
+              </a:ext>
+            </a:extLst>
+          </p:cNvPr>
+          <p:cNvSpPr>
+            <a:spLocks noGrp="1"/>
+          </p:cNvSpPr>
+          <p:nvPr>
+            <p:ph type="sldNum" sz="quarter" idx="12"/>
+          </p:nvPr>
+        </p:nvSpPr>
+        <p:spPr/>
+        <p:txBody>
+          <a:bodyPr/>
+          <a:lstStyle/>
+          <a:p>
+            <a:fld id="{06FEDF93-2BFD-41CA-ABC7-B039102F3792}" type="slidenum">
+              <a:rPr lang="en-US" smtClean="0"/>
+              <a:t>28</a:t>
+            </a:fld>
+            <a:endParaRPr lang="en-US" dirty="0"/>
+          </a:p>
+        </p:txBody>
+      </p:sp>
+      <p:sp>
+        <p:nvSpPr>
+          <p:cNvPr id="10" name="Footer Placeholder 9">
+            <a:extLst>
+              <a:ext uri="{FF2B5EF4-FFF2-40B4-BE49-F238E27FC236}">
+                <a16:creationId xmlns:a16="http://schemas.microsoft.com/office/drawing/2014/main" id="{9D3EA1D2-B111-FBB8-126F-DB91D7B39CDC}"/>
+              </a:ext>
+            </a:extLst>
+          </p:cNvPr>
+          <p:cNvSpPr>
+            <a:spLocks noGrp="1"/>
+          </p:cNvSpPr>
+          <p:nvPr>
+            <p:ph type="ftr" sz="quarter" idx="11"/>
+          </p:nvPr>
+        </p:nvSpPr>
+        <p:spPr/>
+        <p:txBody>
+          <a:bodyPr/>
+          <a:lstStyle/>
+          <a:p>
+            <a:r>
+              <a:rPr lang="en-US"/>
+              <a:t>BDTM (N2MBA07), Dept of MBA, SIT - Tumkuru</a:t>
+            </a:r>
+            <a:endParaRPr lang="en-US" dirty="0"/>
+          </a:p>
+        </p:txBody>
+      </p:sp>
+    </p:spTree>
+    <p:extLst>
+      <p:ext uri="{BB962C8B-B14F-4D97-AF65-F5344CB8AC3E}">
+        <p14:creationId xmlns:p14="http://schemas.microsoft.com/office/powerpoint/2010/main" val="1579507857"/>
+      </p:ext>
+    </p:extLst>
+  </p:cSld>
+  <p:clrMapOvr>
+    <a:masterClrMapping/>
+  </p:clrMapOvr>
+</p:sld>
+</file>
+
+<file path=ppt/slides/slide29.xml><?xml version="1.0" encoding="utf-8"?>
 <p:sld xmlns:a="http://schemas.openxmlformats.org/drawingml/2006/main" xmlns:r="http://schemas.openxmlformats.org/officeDocument/2006/relationships" xmlns:p="http://schemas.openxmlformats.org/presentationml/2006/main">
   <p:cSld>
     <p:spTree>
@@ -36116,7 +38208,7 @@
               <a:rPr lang="en-US" sz="2200" dirty="0">
                 <a:latin typeface="+mj-lt"/>
               </a:rPr>
-              <a:t>Big data refers to the datasets that are too large or complex to be deal with by traditional data-processing software.</a:t>
+              <a:t>Big data refers to the datasets that are too large or complex to be manage by traditional data-processing software.</a:t>
             </a:r>
           </a:p>
           <a:p>
@@ -36199,7 +38291,7 @@
           <a:p>
             <a:fld id="{06FEDF93-2BFD-41CA-ABC7-B039102F3792}" type="slidenum">
               <a:rPr lang="en-US" smtClean="0"/>
-              <a:t>25</a:t>
+              <a:t>29</a:t>
             </a:fld>
             <a:endParaRPr lang="en-US" dirty="0"/>
           </a:p>
@@ -36247,7 +38339,600 @@
 </p:sld>
 </file>
 
-<file path=ppt/slides/slide26.xml><?xml version="1.0" encoding="utf-8"?>
+<file path=ppt/slides/slide3.xml><?xml version="1.0" encoding="utf-8"?>
+<p:sld xmlns:a="http://schemas.openxmlformats.org/drawingml/2006/main" xmlns:r="http://schemas.openxmlformats.org/officeDocument/2006/relationships" xmlns:p="http://schemas.openxmlformats.org/presentationml/2006/main">
+  <p:cSld>
+    <p:spTree>
+      <p:nvGrpSpPr>
+        <p:cNvPr id="1" name=""/>
+        <p:cNvGrpSpPr/>
+        <p:nvPr/>
+      </p:nvGrpSpPr>
+      <p:grpSpPr>
+        <a:xfrm>
+          <a:off x="0" y="0"/>
+          <a:ext cx="0" cy="0"/>
+          <a:chOff x="0" y="0"/>
+          <a:chExt cx="0" cy="0"/>
+        </a:xfrm>
+      </p:grpSpPr>
+      <p:sp>
+        <p:nvSpPr>
+          <p:cNvPr id="7" name="Title 6" hidden="1">
+            <a:extLst>
+              <a:ext uri="{FF2B5EF4-FFF2-40B4-BE49-F238E27FC236}">
+                <a16:creationId xmlns:a16="http://schemas.microsoft.com/office/drawing/2014/main" id="{166BC32C-2E11-43D3-963B-9766918E0FE5}"/>
+              </a:ext>
+            </a:extLst>
+          </p:cNvPr>
+          <p:cNvSpPr>
+            <a:spLocks noGrp="1"/>
+          </p:cNvSpPr>
+          <p:nvPr>
+            <p:ph type="title" idx="4294967295"/>
+          </p:nvPr>
+        </p:nvSpPr>
+        <p:spPr>
+          <a:xfrm>
+            <a:off x="0" y="365125"/>
+            <a:ext cx="10515600" cy="1325563"/>
+          </a:xfrm>
+        </p:spPr>
+        <p:txBody>
+          <a:bodyPr/>
+          <a:lstStyle/>
+          <a:p>
+            <a:r>
+              <a:rPr lang="en-US" dirty="0"/>
+              <a:t>Project analysis slide 6</a:t>
+            </a:r>
+          </a:p>
+        </p:txBody>
+      </p:sp>
+      <p:cxnSp>
+        <p:nvCxnSpPr>
+          <p:cNvPr id="8" name="Straight Connector 7">
+            <a:extLst>
+              <a:ext uri="{FF2B5EF4-FFF2-40B4-BE49-F238E27FC236}">
+                <a16:creationId xmlns:a16="http://schemas.microsoft.com/office/drawing/2014/main" id="{D0986099-F5F2-4E8B-BE17-81194861A00C}"/>
+              </a:ext>
+              <a:ext uri="{C183D7F6-B498-43B3-948B-1728B52AA6E4}">
+                <adec:decorative xmlns:adec="http://schemas.microsoft.com/office/drawing/2017/decorative" val="1"/>
+              </a:ext>
+            </a:extLst>
+          </p:cNvPr>
+          <p:cNvCxnSpPr>
+            <a:cxnSpLocks/>
+          </p:cNvCxnSpPr>
+          <p:nvPr/>
+        </p:nvCxnSpPr>
+        <p:spPr>
+          <a:xfrm>
+            <a:off x="7179733" y="522898"/>
+            <a:ext cx="5012267" cy="0"/>
+          </a:xfrm>
+          <a:prstGeom prst="line">
+            <a:avLst/>
+          </a:prstGeom>
+          <a:ln>
+            <a:solidFill>
+              <a:schemeClr val="tx1"/>
+            </a:solidFill>
+            <a:headEnd type="oval"/>
+          </a:ln>
+        </p:spPr>
+        <p:style>
+          <a:lnRef idx="1">
+            <a:schemeClr val="accent1"/>
+          </a:lnRef>
+          <a:fillRef idx="0">
+            <a:schemeClr val="accent1"/>
+          </a:fillRef>
+          <a:effectRef idx="0">
+            <a:schemeClr val="accent1"/>
+          </a:effectRef>
+          <a:fontRef idx="minor">
+            <a:schemeClr val="tx1"/>
+          </a:fontRef>
+        </p:style>
+      </p:cxnSp>
+      <p:sp>
+        <p:nvSpPr>
+          <p:cNvPr id="11" name="Title 1">
+            <a:extLst>
+              <a:ext uri="{FF2B5EF4-FFF2-40B4-BE49-F238E27FC236}">
+                <a16:creationId xmlns:a16="http://schemas.microsoft.com/office/drawing/2014/main" id="{4E3F5479-058B-4FA8-92E9-18CAB8CDC5C5}"/>
+              </a:ext>
+            </a:extLst>
+          </p:cNvPr>
+          <p:cNvSpPr txBox="1">
+            <a:spLocks/>
+          </p:cNvSpPr>
+          <p:nvPr/>
+        </p:nvSpPr>
+        <p:spPr>
+          <a:xfrm>
+            <a:off x="228600" y="317500"/>
+            <a:ext cx="11734800" cy="775597"/>
+          </a:xfrm>
+          <a:prstGeom prst="rect">
+            <a:avLst/>
+          </a:prstGeom>
+        </p:spPr>
+        <p:txBody>
+          <a:bodyPr vert="horz" wrap="square" lIns="0" tIns="0" rIns="0" bIns="0" rtlCol="0" anchor="t">
+            <a:spAutoFit/>
+          </a:bodyPr>
+          <a:lstStyle>
+            <a:lvl1pPr algn="l" defTabSz="914400" rtl="0" eaLnBrk="1" latinLnBrk="0" hangingPunct="1">
+              <a:lnSpc>
+                <a:spcPct val="90000"/>
+              </a:lnSpc>
+              <a:spcBef>
+                <a:spcPct val="0"/>
+              </a:spcBef>
+              <a:buNone/>
+              <a:defRPr sz="4400" kern="1200">
+                <a:solidFill>
+                  <a:schemeClr val="tx1"/>
+                </a:solidFill>
+                <a:latin typeface="+mj-lt"/>
+                <a:ea typeface="+mj-ea"/>
+                <a:cs typeface="+mj-cs"/>
+              </a:defRPr>
+            </a:lvl1pPr>
+          </a:lstStyle>
+          <a:p>
+            <a:pPr algn="ctr"/>
+            <a:r>
+              <a:rPr lang="en-US" sz="2800" b="1" dirty="0"/>
+              <a:t>Syllabus</a:t>
+            </a:r>
+            <a:br>
+              <a:rPr lang="en-US" sz="2800" dirty="0">
+                <a:solidFill>
+                  <a:schemeClr val="tx1">
+                    <a:lumMod val="75000"/>
+                    <a:lumOff val="25000"/>
+                  </a:schemeClr>
+                </a:solidFill>
+              </a:rPr>
+            </a:br>
+            <a:endParaRPr lang="en-US" sz="2800" dirty="0">
+              <a:solidFill>
+                <a:schemeClr val="tx1">
+                  <a:lumMod val="75000"/>
+                  <a:lumOff val="25000"/>
+                </a:schemeClr>
+              </a:solidFill>
+            </a:endParaRPr>
+          </a:p>
+        </p:txBody>
+      </p:sp>
+      <p:cxnSp>
+        <p:nvCxnSpPr>
+          <p:cNvPr id="14" name="Straight Connector 13">
+            <a:extLst>
+              <a:ext uri="{FF2B5EF4-FFF2-40B4-BE49-F238E27FC236}">
+                <a16:creationId xmlns:a16="http://schemas.microsoft.com/office/drawing/2014/main" id="{83E690F4-843A-47A5-8620-4FB01C0D8E68}"/>
+              </a:ext>
+              <a:ext uri="{C183D7F6-B498-43B3-948B-1728B52AA6E4}">
+                <adec:decorative xmlns:adec="http://schemas.microsoft.com/office/drawing/2017/decorative" val="1"/>
+              </a:ext>
+            </a:extLst>
+          </p:cNvPr>
+          <p:cNvCxnSpPr>
+            <a:cxnSpLocks/>
+          </p:cNvCxnSpPr>
+          <p:nvPr/>
+        </p:nvCxnSpPr>
+        <p:spPr>
+          <a:xfrm>
+            <a:off x="0" y="522898"/>
+            <a:ext cx="5020733" cy="0"/>
+          </a:xfrm>
+          <a:prstGeom prst="line">
+            <a:avLst/>
+          </a:prstGeom>
+          <a:ln>
+            <a:solidFill>
+              <a:schemeClr val="tx1"/>
+            </a:solidFill>
+            <a:tailEnd type="oval"/>
+          </a:ln>
+        </p:spPr>
+        <p:style>
+          <a:lnRef idx="1">
+            <a:schemeClr val="accent1"/>
+          </a:lnRef>
+          <a:fillRef idx="0">
+            <a:schemeClr val="accent1"/>
+          </a:fillRef>
+          <a:effectRef idx="0">
+            <a:schemeClr val="accent1"/>
+          </a:effectRef>
+          <a:fontRef idx="minor">
+            <a:schemeClr val="tx1"/>
+          </a:fontRef>
+        </p:style>
+      </p:cxnSp>
+      <p:sp>
+        <p:nvSpPr>
+          <p:cNvPr id="19" name="TextBox 18">
+            <a:extLst>
+              <a:ext uri="{FF2B5EF4-FFF2-40B4-BE49-F238E27FC236}">
+                <a16:creationId xmlns:a16="http://schemas.microsoft.com/office/drawing/2014/main" id="{6923C0F1-7F9F-5B3D-C2B6-8B88666CB699}"/>
+              </a:ext>
+            </a:extLst>
+          </p:cNvPr>
+          <p:cNvSpPr txBox="1"/>
+          <p:nvPr/>
+        </p:nvSpPr>
+        <p:spPr>
+          <a:xfrm>
+            <a:off x="566056" y="1560825"/>
+            <a:ext cx="3298373" cy="369332"/>
+          </a:xfrm>
+          <a:prstGeom prst="rect">
+            <a:avLst/>
+          </a:prstGeom>
+          <a:noFill/>
+        </p:spPr>
+        <p:txBody>
+          <a:bodyPr wrap="square" rtlCol="0">
+            <a:spAutoFit/>
+          </a:bodyPr>
+          <a:lstStyle/>
+          <a:p>
+            <a:r>
+              <a:rPr lang="en-US" b="1" dirty="0">
+                <a:latin typeface="+mj-lt"/>
+                <a:ea typeface="Verdana" panose="020B0604030504040204" pitchFamily="34" charset="0"/>
+              </a:rPr>
+              <a:t>Unit-1: Big Data, Database</a:t>
+            </a:r>
+          </a:p>
+        </p:txBody>
+      </p:sp>
+      <p:cxnSp>
+        <p:nvCxnSpPr>
+          <p:cNvPr id="26" name="Straight Connector 25">
+            <a:extLst>
+              <a:ext uri="{FF2B5EF4-FFF2-40B4-BE49-F238E27FC236}">
+                <a16:creationId xmlns:a16="http://schemas.microsoft.com/office/drawing/2014/main" id="{E8A83576-96D0-5524-919F-143644B53153}"/>
+              </a:ext>
+            </a:extLst>
+          </p:cNvPr>
+          <p:cNvCxnSpPr>
+            <a:cxnSpLocks/>
+          </p:cNvCxnSpPr>
+          <p:nvPr/>
+        </p:nvCxnSpPr>
+        <p:spPr>
+          <a:xfrm>
+            <a:off x="653142" y="1491343"/>
+            <a:ext cx="3058885" cy="0"/>
+          </a:xfrm>
+          <a:prstGeom prst="line">
+            <a:avLst/>
+          </a:prstGeom>
+          <a:ln w="57150"/>
+        </p:spPr>
+        <p:style>
+          <a:lnRef idx="3">
+            <a:schemeClr val="accent3"/>
+          </a:lnRef>
+          <a:fillRef idx="0">
+            <a:schemeClr val="accent3"/>
+          </a:fillRef>
+          <a:effectRef idx="2">
+            <a:schemeClr val="accent3"/>
+          </a:effectRef>
+          <a:fontRef idx="minor">
+            <a:schemeClr val="tx1"/>
+          </a:fontRef>
+        </p:style>
+      </p:cxnSp>
+      <p:cxnSp>
+        <p:nvCxnSpPr>
+          <p:cNvPr id="30" name="Straight Connector 29">
+            <a:extLst>
+              <a:ext uri="{FF2B5EF4-FFF2-40B4-BE49-F238E27FC236}">
+                <a16:creationId xmlns:a16="http://schemas.microsoft.com/office/drawing/2014/main" id="{4F386B07-4187-56EB-3608-E2790ADA019D}"/>
+              </a:ext>
+            </a:extLst>
+          </p:cNvPr>
+          <p:cNvCxnSpPr>
+            <a:cxnSpLocks/>
+          </p:cNvCxnSpPr>
+          <p:nvPr/>
+        </p:nvCxnSpPr>
+        <p:spPr>
+          <a:xfrm>
+            <a:off x="4484914" y="1491343"/>
+            <a:ext cx="3058885" cy="0"/>
+          </a:xfrm>
+          <a:prstGeom prst="line">
+            <a:avLst/>
+          </a:prstGeom>
+          <a:ln w="57150"/>
+        </p:spPr>
+        <p:style>
+          <a:lnRef idx="3">
+            <a:schemeClr val="accent3"/>
+          </a:lnRef>
+          <a:fillRef idx="0">
+            <a:schemeClr val="accent3"/>
+          </a:fillRef>
+          <a:effectRef idx="2">
+            <a:schemeClr val="accent3"/>
+          </a:effectRef>
+          <a:fontRef idx="minor">
+            <a:schemeClr val="tx1"/>
+          </a:fontRef>
+        </p:style>
+      </p:cxnSp>
+      <p:sp>
+        <p:nvSpPr>
+          <p:cNvPr id="38" name="TextBox 37">
+            <a:extLst>
+              <a:ext uri="{FF2B5EF4-FFF2-40B4-BE49-F238E27FC236}">
+                <a16:creationId xmlns:a16="http://schemas.microsoft.com/office/drawing/2014/main" id="{4E4898FD-4ADE-6D93-4B42-1590AB1A2DF2}"/>
+              </a:ext>
+            </a:extLst>
+          </p:cNvPr>
+          <p:cNvSpPr txBox="1"/>
+          <p:nvPr/>
+        </p:nvSpPr>
+        <p:spPr>
+          <a:xfrm>
+            <a:off x="4386941" y="1560825"/>
+            <a:ext cx="3298373" cy="369332"/>
+          </a:xfrm>
+          <a:prstGeom prst="rect">
+            <a:avLst/>
+          </a:prstGeom>
+          <a:noFill/>
+        </p:spPr>
+        <p:txBody>
+          <a:bodyPr wrap="square" rtlCol="0">
+            <a:spAutoFit/>
+          </a:bodyPr>
+          <a:lstStyle/>
+          <a:p>
+            <a:r>
+              <a:rPr lang="en-US" b="1" dirty="0">
+                <a:latin typeface="+mj-lt"/>
+                <a:ea typeface="Verdana" panose="020B0604030504040204" pitchFamily="34" charset="0"/>
+              </a:rPr>
+              <a:t>Unit-2: SQL</a:t>
+            </a:r>
+          </a:p>
+        </p:txBody>
+      </p:sp>
+      <p:sp>
+        <p:nvSpPr>
+          <p:cNvPr id="48" name="TextBox 47">
+            <a:extLst>
+              <a:ext uri="{FF2B5EF4-FFF2-40B4-BE49-F238E27FC236}">
+                <a16:creationId xmlns:a16="http://schemas.microsoft.com/office/drawing/2014/main" id="{0CADD9B1-76B3-215A-8B10-7A89CBE57E34}"/>
+              </a:ext>
+            </a:extLst>
+          </p:cNvPr>
+          <p:cNvSpPr txBox="1"/>
+          <p:nvPr/>
+        </p:nvSpPr>
+        <p:spPr>
+          <a:xfrm>
+            <a:off x="566056" y="2250318"/>
+            <a:ext cx="3439887" cy="784189"/>
+          </a:xfrm>
+          <a:prstGeom prst="rect">
+            <a:avLst/>
+          </a:prstGeom>
+          <a:noFill/>
+        </p:spPr>
+        <p:txBody>
+          <a:bodyPr wrap="square" rtlCol="0">
+            <a:spAutoFit/>
+          </a:bodyPr>
+          <a:lstStyle/>
+          <a:p>
+            <a:pPr marL="285750" indent="-285750">
+              <a:lnSpc>
+                <a:spcPct val="150000"/>
+              </a:lnSpc>
+              <a:buFont typeface="Arial" panose="020B0604020202020204" pitchFamily="34" charset="0"/>
+              <a:buChar char="•"/>
+            </a:pPr>
+            <a:r>
+              <a:rPr lang="en-US" sz="1600" b="1" dirty="0">
+                <a:latin typeface="+mj-lt"/>
+                <a:ea typeface="Verdana" panose="020B0604030504040204" pitchFamily="34" charset="0"/>
+              </a:rPr>
+              <a:t>Overview of Big Data</a:t>
+            </a:r>
+          </a:p>
+          <a:p>
+            <a:pPr marL="285750" indent="-285750">
+              <a:lnSpc>
+                <a:spcPct val="150000"/>
+              </a:lnSpc>
+              <a:buFont typeface="Arial" panose="020B0604020202020204" pitchFamily="34" charset="0"/>
+              <a:buChar char="•"/>
+            </a:pPr>
+            <a:r>
+              <a:rPr lang="en-US" sz="1600" b="1" dirty="0">
+                <a:latin typeface="+mj-lt"/>
+                <a:ea typeface="Verdana" panose="020B0604030504040204" pitchFamily="34" charset="0"/>
+              </a:rPr>
+              <a:t>Data, Information, Database</a:t>
+            </a:r>
+          </a:p>
+        </p:txBody>
+      </p:sp>
+      <p:sp>
+        <p:nvSpPr>
+          <p:cNvPr id="49" name="TextBox 48">
+            <a:extLst>
+              <a:ext uri="{FF2B5EF4-FFF2-40B4-BE49-F238E27FC236}">
+                <a16:creationId xmlns:a16="http://schemas.microsoft.com/office/drawing/2014/main" id="{370C93C4-535D-5383-FCD7-E889E955D005}"/>
+              </a:ext>
+            </a:extLst>
+          </p:cNvPr>
+          <p:cNvSpPr txBox="1"/>
+          <p:nvPr/>
+        </p:nvSpPr>
+        <p:spPr>
+          <a:xfrm>
+            <a:off x="4386941" y="2250318"/>
+            <a:ext cx="3156858" cy="784189"/>
+          </a:xfrm>
+          <a:prstGeom prst="rect">
+            <a:avLst/>
+          </a:prstGeom>
+          <a:noFill/>
+        </p:spPr>
+        <p:txBody>
+          <a:bodyPr wrap="square" rtlCol="0">
+            <a:spAutoFit/>
+          </a:bodyPr>
+          <a:lstStyle/>
+          <a:p>
+            <a:pPr marL="285750" indent="-285750">
+              <a:lnSpc>
+                <a:spcPct val="150000"/>
+              </a:lnSpc>
+              <a:buFont typeface="Arial" panose="020B0604020202020204" pitchFamily="34" charset="0"/>
+              <a:buChar char="•"/>
+            </a:pPr>
+            <a:r>
+              <a:rPr lang="en-US" sz="1600" b="1" dirty="0">
+                <a:latin typeface="+mj-lt"/>
+                <a:ea typeface="Verdana" panose="020B0604030504040204" pitchFamily="34" charset="0"/>
+              </a:rPr>
+              <a:t>Introduction to SQL, MySQL</a:t>
+            </a:r>
+          </a:p>
+          <a:p>
+            <a:pPr marL="285750" indent="-285750">
+              <a:lnSpc>
+                <a:spcPct val="150000"/>
+              </a:lnSpc>
+              <a:buFont typeface="Arial" panose="020B0604020202020204" pitchFamily="34" charset="0"/>
+              <a:buChar char="•"/>
+            </a:pPr>
+            <a:r>
+              <a:rPr lang="en-US" sz="1600" b="1" dirty="0">
+                <a:latin typeface="+mj-lt"/>
+                <a:ea typeface="Verdana" panose="020B0604030504040204" pitchFamily="34" charset="0"/>
+              </a:rPr>
+              <a:t>Data retrieval using MySQL</a:t>
+            </a:r>
+          </a:p>
+        </p:txBody>
+      </p:sp>
+      <p:sp>
+        <p:nvSpPr>
+          <p:cNvPr id="2" name="Date Placeholder 1">
+            <a:extLst>
+              <a:ext uri="{FF2B5EF4-FFF2-40B4-BE49-F238E27FC236}">
+                <a16:creationId xmlns:a16="http://schemas.microsoft.com/office/drawing/2014/main" id="{8F7AC9F1-B283-2451-34B7-3CDB817D5CAA}"/>
+              </a:ext>
+            </a:extLst>
+          </p:cNvPr>
+          <p:cNvSpPr>
+            <a:spLocks noGrp="1"/>
+          </p:cNvSpPr>
+          <p:nvPr>
+            <p:ph type="dt" sz="half" idx="10"/>
+          </p:nvPr>
+        </p:nvSpPr>
+        <p:spPr/>
+        <p:txBody>
+          <a:bodyPr/>
+          <a:lstStyle/>
+          <a:p>
+            <a:fld id="{3A0655E6-D525-442C-89D0-CDC645AB8E94}" type="datetime1">
+              <a:rPr lang="en-US" smtClean="0"/>
+              <a:t>7/7/2023</a:t>
+            </a:fld>
+            <a:endParaRPr lang="en-US" dirty="0"/>
+          </a:p>
+        </p:txBody>
+      </p:sp>
+      <p:sp>
+        <p:nvSpPr>
+          <p:cNvPr id="3" name="Slide Number Placeholder 2">
+            <a:extLst>
+              <a:ext uri="{FF2B5EF4-FFF2-40B4-BE49-F238E27FC236}">
+                <a16:creationId xmlns:a16="http://schemas.microsoft.com/office/drawing/2014/main" id="{AE39D027-F9CC-0A3E-4798-1CCB7E96C56D}"/>
+              </a:ext>
+            </a:extLst>
+          </p:cNvPr>
+          <p:cNvSpPr>
+            <a:spLocks noGrp="1"/>
+          </p:cNvSpPr>
+          <p:nvPr>
+            <p:ph type="sldNum" sz="quarter" idx="12"/>
+          </p:nvPr>
+        </p:nvSpPr>
+        <p:spPr/>
+        <p:txBody>
+          <a:bodyPr/>
+          <a:lstStyle/>
+          <a:p>
+            <a:fld id="{06FEDF93-2BFD-41CA-ABC7-B039102F3792}" type="slidenum">
+              <a:rPr lang="en-US" smtClean="0"/>
+              <a:t>3</a:t>
+            </a:fld>
+            <a:endParaRPr lang="en-US" dirty="0"/>
+          </a:p>
+        </p:txBody>
+      </p:sp>
+      <p:sp>
+        <p:nvSpPr>
+          <p:cNvPr id="4" name="Footer Placeholder 3">
+            <a:extLst>
+              <a:ext uri="{FF2B5EF4-FFF2-40B4-BE49-F238E27FC236}">
+                <a16:creationId xmlns:a16="http://schemas.microsoft.com/office/drawing/2014/main" id="{C738F579-9AEC-3644-1BB6-F0DAE42C2472}"/>
+              </a:ext>
+            </a:extLst>
+          </p:cNvPr>
+          <p:cNvSpPr>
+            <a:spLocks noGrp="1"/>
+          </p:cNvSpPr>
+          <p:nvPr>
+            <p:ph type="ftr" sz="quarter" idx="11"/>
+          </p:nvPr>
+        </p:nvSpPr>
+        <p:spPr/>
+        <p:txBody>
+          <a:bodyPr/>
+          <a:lstStyle/>
+          <a:p>
+            <a:r>
+              <a:rPr lang="en-US"/>
+              <a:t>BDTM (N2MBA07), Dept of MBA, SIT - Tumkuru</a:t>
+            </a:r>
+            <a:endParaRPr lang="en-US" dirty="0"/>
+          </a:p>
+        </p:txBody>
+      </p:sp>
+    </p:spTree>
+    <p:extLst>
+      <p:ext uri="{BB962C8B-B14F-4D97-AF65-F5344CB8AC3E}">
+        <p14:creationId xmlns:p14="http://schemas.microsoft.com/office/powerpoint/2010/main" val="2620170522"/>
+      </p:ext>
+    </p:extLst>
+  </p:cSld>
+  <p:clrMapOvr>
+    <a:masterClrMapping/>
+  </p:clrMapOvr>
+</p:sld>
+</file>
+
+<file path=ppt/slides/slide30.xml><?xml version="1.0" encoding="utf-8"?>
 <p:sld xmlns:a="http://schemas.openxmlformats.org/drawingml/2006/main" xmlns:r="http://schemas.openxmlformats.org/officeDocument/2006/relationships" xmlns:p="http://schemas.openxmlformats.org/presentationml/2006/main">
   <p:cSld>
     <p:spTree>
@@ -36466,7 +39151,7 @@
           <a:p>
             <a:fld id="{06FEDF93-2BFD-41CA-ABC7-B039102F3792}" type="slidenum">
               <a:rPr lang="en-US" smtClean="0"/>
-              <a:t>26</a:t>
+              <a:t>30</a:t>
             </a:fld>
             <a:endParaRPr lang="en-US" dirty="0"/>
           </a:p>
@@ -37102,7 +39787,7 @@
 </p:sld>
 </file>
 
-<file path=ppt/slides/slide27.xml><?xml version="1.0" encoding="utf-8"?>
+<file path=ppt/slides/slide31.xml><?xml version="1.0" encoding="utf-8"?>
 <p:sld xmlns:a="http://schemas.openxmlformats.org/drawingml/2006/main" xmlns:r="http://schemas.openxmlformats.org/officeDocument/2006/relationships" xmlns:p="http://schemas.openxmlformats.org/presentationml/2006/main">
   <p:cSld>
     <p:spTree>
@@ -37804,7 +40489,7 @@
 </p:sld>
 </file>
 
-<file path=ppt/slides/slide28.xml><?xml version="1.0" encoding="utf-8"?>
+<file path=ppt/slides/slide32.xml><?xml version="1.0" encoding="utf-8"?>
 <p:sld xmlns:a="http://schemas.openxmlformats.org/drawingml/2006/main" xmlns:r="http://schemas.openxmlformats.org/officeDocument/2006/relationships" xmlns:p="http://schemas.openxmlformats.org/presentationml/2006/main">
   <p:cSld>
     <p:spTree>
@@ -39432,7 +42117,7 @@
 </p:sld>
 </file>
 
-<file path=ppt/slides/slide29.xml><?xml version="1.0" encoding="utf-8"?>
+<file path=ppt/slides/slide33.xml><?xml version="1.0" encoding="utf-8"?>
 <p:sld xmlns:a="http://schemas.openxmlformats.org/drawingml/2006/main" xmlns:r="http://schemas.openxmlformats.org/officeDocument/2006/relationships" xmlns:p="http://schemas.openxmlformats.org/presentationml/2006/main">
   <p:cSld>
     <p:bg>
@@ -40068,600 +42753,7 @@
 </p:sld>
 </file>
 
-<file path=ppt/slides/slide3.xml><?xml version="1.0" encoding="utf-8"?>
-<p:sld xmlns:a="http://schemas.openxmlformats.org/drawingml/2006/main" xmlns:r="http://schemas.openxmlformats.org/officeDocument/2006/relationships" xmlns:p="http://schemas.openxmlformats.org/presentationml/2006/main">
-  <p:cSld>
-    <p:spTree>
-      <p:nvGrpSpPr>
-        <p:cNvPr id="1" name=""/>
-        <p:cNvGrpSpPr/>
-        <p:nvPr/>
-      </p:nvGrpSpPr>
-      <p:grpSpPr>
-        <a:xfrm>
-          <a:off x="0" y="0"/>
-          <a:ext cx="0" cy="0"/>
-          <a:chOff x="0" y="0"/>
-          <a:chExt cx="0" cy="0"/>
-        </a:xfrm>
-      </p:grpSpPr>
-      <p:sp>
-        <p:nvSpPr>
-          <p:cNvPr id="7" name="Title 6" hidden="1">
-            <a:extLst>
-              <a:ext uri="{FF2B5EF4-FFF2-40B4-BE49-F238E27FC236}">
-                <a16:creationId xmlns:a16="http://schemas.microsoft.com/office/drawing/2014/main" id="{166BC32C-2E11-43D3-963B-9766918E0FE5}"/>
-              </a:ext>
-            </a:extLst>
-          </p:cNvPr>
-          <p:cNvSpPr>
-            <a:spLocks noGrp="1"/>
-          </p:cNvSpPr>
-          <p:nvPr>
-            <p:ph type="title" idx="4294967295"/>
-          </p:nvPr>
-        </p:nvSpPr>
-        <p:spPr>
-          <a:xfrm>
-            <a:off x="0" y="365125"/>
-            <a:ext cx="10515600" cy="1325563"/>
-          </a:xfrm>
-        </p:spPr>
-        <p:txBody>
-          <a:bodyPr/>
-          <a:lstStyle/>
-          <a:p>
-            <a:r>
-              <a:rPr lang="en-US" dirty="0"/>
-              <a:t>Project analysis slide 6</a:t>
-            </a:r>
-          </a:p>
-        </p:txBody>
-      </p:sp>
-      <p:cxnSp>
-        <p:nvCxnSpPr>
-          <p:cNvPr id="8" name="Straight Connector 7">
-            <a:extLst>
-              <a:ext uri="{FF2B5EF4-FFF2-40B4-BE49-F238E27FC236}">
-                <a16:creationId xmlns:a16="http://schemas.microsoft.com/office/drawing/2014/main" id="{D0986099-F5F2-4E8B-BE17-81194861A00C}"/>
-              </a:ext>
-              <a:ext uri="{C183D7F6-B498-43B3-948B-1728B52AA6E4}">
-                <adec:decorative xmlns:adec="http://schemas.microsoft.com/office/drawing/2017/decorative" val="1"/>
-              </a:ext>
-            </a:extLst>
-          </p:cNvPr>
-          <p:cNvCxnSpPr>
-            <a:cxnSpLocks/>
-          </p:cNvCxnSpPr>
-          <p:nvPr/>
-        </p:nvCxnSpPr>
-        <p:spPr>
-          <a:xfrm>
-            <a:off x="7179733" y="522898"/>
-            <a:ext cx="5012267" cy="0"/>
-          </a:xfrm>
-          <a:prstGeom prst="line">
-            <a:avLst/>
-          </a:prstGeom>
-          <a:ln>
-            <a:solidFill>
-              <a:schemeClr val="tx1"/>
-            </a:solidFill>
-            <a:headEnd type="oval"/>
-          </a:ln>
-        </p:spPr>
-        <p:style>
-          <a:lnRef idx="1">
-            <a:schemeClr val="accent1"/>
-          </a:lnRef>
-          <a:fillRef idx="0">
-            <a:schemeClr val="accent1"/>
-          </a:fillRef>
-          <a:effectRef idx="0">
-            <a:schemeClr val="accent1"/>
-          </a:effectRef>
-          <a:fontRef idx="minor">
-            <a:schemeClr val="tx1"/>
-          </a:fontRef>
-        </p:style>
-      </p:cxnSp>
-      <p:sp>
-        <p:nvSpPr>
-          <p:cNvPr id="11" name="Title 1">
-            <a:extLst>
-              <a:ext uri="{FF2B5EF4-FFF2-40B4-BE49-F238E27FC236}">
-                <a16:creationId xmlns:a16="http://schemas.microsoft.com/office/drawing/2014/main" id="{4E3F5479-058B-4FA8-92E9-18CAB8CDC5C5}"/>
-              </a:ext>
-            </a:extLst>
-          </p:cNvPr>
-          <p:cNvSpPr txBox="1">
-            <a:spLocks/>
-          </p:cNvSpPr>
-          <p:nvPr/>
-        </p:nvSpPr>
-        <p:spPr>
-          <a:xfrm>
-            <a:off x="228600" y="317500"/>
-            <a:ext cx="11734800" cy="775597"/>
-          </a:xfrm>
-          <a:prstGeom prst="rect">
-            <a:avLst/>
-          </a:prstGeom>
-        </p:spPr>
-        <p:txBody>
-          <a:bodyPr vert="horz" wrap="square" lIns="0" tIns="0" rIns="0" bIns="0" rtlCol="0" anchor="t">
-            <a:spAutoFit/>
-          </a:bodyPr>
-          <a:lstStyle>
-            <a:lvl1pPr algn="l" defTabSz="914400" rtl="0" eaLnBrk="1" latinLnBrk="0" hangingPunct="1">
-              <a:lnSpc>
-                <a:spcPct val="90000"/>
-              </a:lnSpc>
-              <a:spcBef>
-                <a:spcPct val="0"/>
-              </a:spcBef>
-              <a:buNone/>
-              <a:defRPr sz="4400" kern="1200">
-                <a:solidFill>
-                  <a:schemeClr val="tx1"/>
-                </a:solidFill>
-                <a:latin typeface="+mj-lt"/>
-                <a:ea typeface="+mj-ea"/>
-                <a:cs typeface="+mj-cs"/>
-              </a:defRPr>
-            </a:lvl1pPr>
-          </a:lstStyle>
-          <a:p>
-            <a:pPr algn="ctr"/>
-            <a:r>
-              <a:rPr lang="en-US" sz="2800" b="1" dirty="0"/>
-              <a:t>Syllabus</a:t>
-            </a:r>
-            <a:br>
-              <a:rPr lang="en-US" sz="2800" dirty="0">
-                <a:solidFill>
-                  <a:schemeClr val="tx1">
-                    <a:lumMod val="75000"/>
-                    <a:lumOff val="25000"/>
-                  </a:schemeClr>
-                </a:solidFill>
-              </a:rPr>
-            </a:br>
-            <a:endParaRPr lang="en-US" sz="2800" dirty="0">
-              <a:solidFill>
-                <a:schemeClr val="tx1">
-                  <a:lumMod val="75000"/>
-                  <a:lumOff val="25000"/>
-                </a:schemeClr>
-              </a:solidFill>
-            </a:endParaRPr>
-          </a:p>
-        </p:txBody>
-      </p:sp>
-      <p:cxnSp>
-        <p:nvCxnSpPr>
-          <p:cNvPr id="14" name="Straight Connector 13">
-            <a:extLst>
-              <a:ext uri="{FF2B5EF4-FFF2-40B4-BE49-F238E27FC236}">
-                <a16:creationId xmlns:a16="http://schemas.microsoft.com/office/drawing/2014/main" id="{83E690F4-843A-47A5-8620-4FB01C0D8E68}"/>
-              </a:ext>
-              <a:ext uri="{C183D7F6-B498-43B3-948B-1728B52AA6E4}">
-                <adec:decorative xmlns:adec="http://schemas.microsoft.com/office/drawing/2017/decorative" val="1"/>
-              </a:ext>
-            </a:extLst>
-          </p:cNvPr>
-          <p:cNvCxnSpPr>
-            <a:cxnSpLocks/>
-          </p:cNvCxnSpPr>
-          <p:nvPr/>
-        </p:nvCxnSpPr>
-        <p:spPr>
-          <a:xfrm>
-            <a:off x="0" y="522898"/>
-            <a:ext cx="5020733" cy="0"/>
-          </a:xfrm>
-          <a:prstGeom prst="line">
-            <a:avLst/>
-          </a:prstGeom>
-          <a:ln>
-            <a:solidFill>
-              <a:schemeClr val="tx1"/>
-            </a:solidFill>
-            <a:tailEnd type="oval"/>
-          </a:ln>
-        </p:spPr>
-        <p:style>
-          <a:lnRef idx="1">
-            <a:schemeClr val="accent1"/>
-          </a:lnRef>
-          <a:fillRef idx="0">
-            <a:schemeClr val="accent1"/>
-          </a:fillRef>
-          <a:effectRef idx="0">
-            <a:schemeClr val="accent1"/>
-          </a:effectRef>
-          <a:fontRef idx="minor">
-            <a:schemeClr val="tx1"/>
-          </a:fontRef>
-        </p:style>
-      </p:cxnSp>
-      <p:sp>
-        <p:nvSpPr>
-          <p:cNvPr id="19" name="TextBox 18">
-            <a:extLst>
-              <a:ext uri="{FF2B5EF4-FFF2-40B4-BE49-F238E27FC236}">
-                <a16:creationId xmlns:a16="http://schemas.microsoft.com/office/drawing/2014/main" id="{6923C0F1-7F9F-5B3D-C2B6-8B88666CB699}"/>
-              </a:ext>
-            </a:extLst>
-          </p:cNvPr>
-          <p:cNvSpPr txBox="1"/>
-          <p:nvPr/>
-        </p:nvSpPr>
-        <p:spPr>
-          <a:xfrm>
-            <a:off x="566056" y="1560825"/>
-            <a:ext cx="3298373" cy="369332"/>
-          </a:xfrm>
-          <a:prstGeom prst="rect">
-            <a:avLst/>
-          </a:prstGeom>
-          <a:noFill/>
-        </p:spPr>
-        <p:txBody>
-          <a:bodyPr wrap="square" rtlCol="0">
-            <a:spAutoFit/>
-          </a:bodyPr>
-          <a:lstStyle/>
-          <a:p>
-            <a:r>
-              <a:rPr lang="en-US" b="1" dirty="0">
-                <a:latin typeface="+mj-lt"/>
-                <a:ea typeface="Verdana" panose="020B0604030504040204" pitchFamily="34" charset="0"/>
-              </a:rPr>
-              <a:t>Unit-1: Big Data, Database</a:t>
-            </a:r>
-          </a:p>
-        </p:txBody>
-      </p:sp>
-      <p:cxnSp>
-        <p:nvCxnSpPr>
-          <p:cNvPr id="26" name="Straight Connector 25">
-            <a:extLst>
-              <a:ext uri="{FF2B5EF4-FFF2-40B4-BE49-F238E27FC236}">
-                <a16:creationId xmlns:a16="http://schemas.microsoft.com/office/drawing/2014/main" id="{E8A83576-96D0-5524-919F-143644B53153}"/>
-              </a:ext>
-            </a:extLst>
-          </p:cNvPr>
-          <p:cNvCxnSpPr>
-            <a:cxnSpLocks/>
-          </p:cNvCxnSpPr>
-          <p:nvPr/>
-        </p:nvCxnSpPr>
-        <p:spPr>
-          <a:xfrm>
-            <a:off x="653142" y="1491343"/>
-            <a:ext cx="3058885" cy="0"/>
-          </a:xfrm>
-          <a:prstGeom prst="line">
-            <a:avLst/>
-          </a:prstGeom>
-          <a:ln w="57150"/>
-        </p:spPr>
-        <p:style>
-          <a:lnRef idx="3">
-            <a:schemeClr val="accent3"/>
-          </a:lnRef>
-          <a:fillRef idx="0">
-            <a:schemeClr val="accent3"/>
-          </a:fillRef>
-          <a:effectRef idx="2">
-            <a:schemeClr val="accent3"/>
-          </a:effectRef>
-          <a:fontRef idx="minor">
-            <a:schemeClr val="tx1"/>
-          </a:fontRef>
-        </p:style>
-      </p:cxnSp>
-      <p:cxnSp>
-        <p:nvCxnSpPr>
-          <p:cNvPr id="30" name="Straight Connector 29">
-            <a:extLst>
-              <a:ext uri="{FF2B5EF4-FFF2-40B4-BE49-F238E27FC236}">
-                <a16:creationId xmlns:a16="http://schemas.microsoft.com/office/drawing/2014/main" id="{4F386B07-4187-56EB-3608-E2790ADA019D}"/>
-              </a:ext>
-            </a:extLst>
-          </p:cNvPr>
-          <p:cNvCxnSpPr>
-            <a:cxnSpLocks/>
-          </p:cNvCxnSpPr>
-          <p:nvPr/>
-        </p:nvCxnSpPr>
-        <p:spPr>
-          <a:xfrm>
-            <a:off x="4484914" y="1491343"/>
-            <a:ext cx="3058885" cy="0"/>
-          </a:xfrm>
-          <a:prstGeom prst="line">
-            <a:avLst/>
-          </a:prstGeom>
-          <a:ln w="57150"/>
-        </p:spPr>
-        <p:style>
-          <a:lnRef idx="3">
-            <a:schemeClr val="accent3"/>
-          </a:lnRef>
-          <a:fillRef idx="0">
-            <a:schemeClr val="accent3"/>
-          </a:fillRef>
-          <a:effectRef idx="2">
-            <a:schemeClr val="accent3"/>
-          </a:effectRef>
-          <a:fontRef idx="minor">
-            <a:schemeClr val="tx1"/>
-          </a:fontRef>
-        </p:style>
-      </p:cxnSp>
-      <p:sp>
-        <p:nvSpPr>
-          <p:cNvPr id="38" name="TextBox 37">
-            <a:extLst>
-              <a:ext uri="{FF2B5EF4-FFF2-40B4-BE49-F238E27FC236}">
-                <a16:creationId xmlns:a16="http://schemas.microsoft.com/office/drawing/2014/main" id="{4E4898FD-4ADE-6D93-4B42-1590AB1A2DF2}"/>
-              </a:ext>
-            </a:extLst>
-          </p:cNvPr>
-          <p:cNvSpPr txBox="1"/>
-          <p:nvPr/>
-        </p:nvSpPr>
-        <p:spPr>
-          <a:xfrm>
-            <a:off x="4386941" y="1560825"/>
-            <a:ext cx="3298373" cy="369332"/>
-          </a:xfrm>
-          <a:prstGeom prst="rect">
-            <a:avLst/>
-          </a:prstGeom>
-          <a:noFill/>
-        </p:spPr>
-        <p:txBody>
-          <a:bodyPr wrap="square" rtlCol="0">
-            <a:spAutoFit/>
-          </a:bodyPr>
-          <a:lstStyle/>
-          <a:p>
-            <a:r>
-              <a:rPr lang="en-US" b="1" dirty="0">
-                <a:latin typeface="+mj-lt"/>
-                <a:ea typeface="Verdana" panose="020B0604030504040204" pitchFamily="34" charset="0"/>
-              </a:rPr>
-              <a:t>Unit-2: SQL</a:t>
-            </a:r>
-          </a:p>
-        </p:txBody>
-      </p:sp>
-      <p:sp>
-        <p:nvSpPr>
-          <p:cNvPr id="48" name="TextBox 47">
-            <a:extLst>
-              <a:ext uri="{FF2B5EF4-FFF2-40B4-BE49-F238E27FC236}">
-                <a16:creationId xmlns:a16="http://schemas.microsoft.com/office/drawing/2014/main" id="{0CADD9B1-76B3-215A-8B10-7A89CBE57E34}"/>
-              </a:ext>
-            </a:extLst>
-          </p:cNvPr>
-          <p:cNvSpPr txBox="1"/>
-          <p:nvPr/>
-        </p:nvSpPr>
-        <p:spPr>
-          <a:xfrm>
-            <a:off x="566056" y="2250318"/>
-            <a:ext cx="3439887" cy="784189"/>
-          </a:xfrm>
-          <a:prstGeom prst="rect">
-            <a:avLst/>
-          </a:prstGeom>
-          <a:noFill/>
-        </p:spPr>
-        <p:txBody>
-          <a:bodyPr wrap="square" rtlCol="0">
-            <a:spAutoFit/>
-          </a:bodyPr>
-          <a:lstStyle/>
-          <a:p>
-            <a:pPr marL="285750" indent="-285750">
-              <a:lnSpc>
-                <a:spcPct val="150000"/>
-              </a:lnSpc>
-              <a:buFont typeface="Arial" panose="020B0604020202020204" pitchFamily="34" charset="0"/>
-              <a:buChar char="•"/>
-            </a:pPr>
-            <a:r>
-              <a:rPr lang="en-US" sz="1600" dirty="0">
-                <a:latin typeface="+mj-lt"/>
-                <a:ea typeface="Verdana" panose="020B0604030504040204" pitchFamily="34" charset="0"/>
-              </a:rPr>
-              <a:t>Overview of Big Data</a:t>
-            </a:r>
-          </a:p>
-          <a:p>
-            <a:pPr marL="285750" indent="-285750">
-              <a:lnSpc>
-                <a:spcPct val="150000"/>
-              </a:lnSpc>
-              <a:buFont typeface="Arial" panose="020B0604020202020204" pitchFamily="34" charset="0"/>
-              <a:buChar char="•"/>
-            </a:pPr>
-            <a:r>
-              <a:rPr lang="en-US" sz="1600" dirty="0">
-                <a:latin typeface="+mj-lt"/>
-                <a:ea typeface="Verdana" panose="020B0604030504040204" pitchFamily="34" charset="0"/>
-              </a:rPr>
-              <a:t>Data, Information, Database</a:t>
-            </a:r>
-          </a:p>
-        </p:txBody>
-      </p:sp>
-      <p:sp>
-        <p:nvSpPr>
-          <p:cNvPr id="49" name="TextBox 48">
-            <a:extLst>
-              <a:ext uri="{FF2B5EF4-FFF2-40B4-BE49-F238E27FC236}">
-                <a16:creationId xmlns:a16="http://schemas.microsoft.com/office/drawing/2014/main" id="{370C93C4-535D-5383-FCD7-E889E955D005}"/>
-              </a:ext>
-            </a:extLst>
-          </p:cNvPr>
-          <p:cNvSpPr txBox="1"/>
-          <p:nvPr/>
-        </p:nvSpPr>
-        <p:spPr>
-          <a:xfrm>
-            <a:off x="4386941" y="2250318"/>
-            <a:ext cx="3156858" cy="784189"/>
-          </a:xfrm>
-          <a:prstGeom prst="rect">
-            <a:avLst/>
-          </a:prstGeom>
-          <a:noFill/>
-        </p:spPr>
-        <p:txBody>
-          <a:bodyPr wrap="square" rtlCol="0">
-            <a:spAutoFit/>
-          </a:bodyPr>
-          <a:lstStyle/>
-          <a:p>
-            <a:pPr marL="285750" indent="-285750">
-              <a:lnSpc>
-                <a:spcPct val="150000"/>
-              </a:lnSpc>
-              <a:buFont typeface="Arial" panose="020B0604020202020204" pitchFamily="34" charset="0"/>
-              <a:buChar char="•"/>
-            </a:pPr>
-            <a:r>
-              <a:rPr lang="en-US" sz="1600" dirty="0">
-                <a:latin typeface="+mj-lt"/>
-                <a:ea typeface="Verdana" panose="020B0604030504040204" pitchFamily="34" charset="0"/>
-              </a:rPr>
-              <a:t>Introduction to SQL, MySQL</a:t>
-            </a:r>
-          </a:p>
-          <a:p>
-            <a:pPr marL="285750" indent="-285750">
-              <a:lnSpc>
-                <a:spcPct val="150000"/>
-              </a:lnSpc>
-              <a:buFont typeface="Arial" panose="020B0604020202020204" pitchFamily="34" charset="0"/>
-              <a:buChar char="•"/>
-            </a:pPr>
-            <a:r>
-              <a:rPr lang="en-US" sz="1600" dirty="0">
-                <a:latin typeface="+mj-lt"/>
-                <a:ea typeface="Verdana" panose="020B0604030504040204" pitchFamily="34" charset="0"/>
-              </a:rPr>
-              <a:t>Data retrieval using MySQL</a:t>
-            </a:r>
-          </a:p>
-        </p:txBody>
-      </p:sp>
-      <p:sp>
-        <p:nvSpPr>
-          <p:cNvPr id="2" name="Date Placeholder 1">
-            <a:extLst>
-              <a:ext uri="{FF2B5EF4-FFF2-40B4-BE49-F238E27FC236}">
-                <a16:creationId xmlns:a16="http://schemas.microsoft.com/office/drawing/2014/main" id="{8F7AC9F1-B283-2451-34B7-3CDB817D5CAA}"/>
-              </a:ext>
-            </a:extLst>
-          </p:cNvPr>
-          <p:cNvSpPr>
-            <a:spLocks noGrp="1"/>
-          </p:cNvSpPr>
-          <p:nvPr>
-            <p:ph type="dt" sz="half" idx="10"/>
-          </p:nvPr>
-        </p:nvSpPr>
-        <p:spPr/>
-        <p:txBody>
-          <a:bodyPr/>
-          <a:lstStyle/>
-          <a:p>
-            <a:fld id="{3A0655E6-D525-442C-89D0-CDC645AB8E94}" type="datetime1">
-              <a:rPr lang="en-US" smtClean="0"/>
-              <a:t>7/7/2023</a:t>
-            </a:fld>
-            <a:endParaRPr lang="en-US" dirty="0"/>
-          </a:p>
-        </p:txBody>
-      </p:sp>
-      <p:sp>
-        <p:nvSpPr>
-          <p:cNvPr id="3" name="Slide Number Placeholder 2">
-            <a:extLst>
-              <a:ext uri="{FF2B5EF4-FFF2-40B4-BE49-F238E27FC236}">
-                <a16:creationId xmlns:a16="http://schemas.microsoft.com/office/drawing/2014/main" id="{AE39D027-F9CC-0A3E-4798-1CCB7E96C56D}"/>
-              </a:ext>
-            </a:extLst>
-          </p:cNvPr>
-          <p:cNvSpPr>
-            <a:spLocks noGrp="1"/>
-          </p:cNvSpPr>
-          <p:nvPr>
-            <p:ph type="sldNum" sz="quarter" idx="12"/>
-          </p:nvPr>
-        </p:nvSpPr>
-        <p:spPr/>
-        <p:txBody>
-          <a:bodyPr/>
-          <a:lstStyle/>
-          <a:p>
-            <a:fld id="{06FEDF93-2BFD-41CA-ABC7-B039102F3792}" type="slidenum">
-              <a:rPr lang="en-US" smtClean="0"/>
-              <a:t>3</a:t>
-            </a:fld>
-            <a:endParaRPr lang="en-US" dirty="0"/>
-          </a:p>
-        </p:txBody>
-      </p:sp>
-      <p:sp>
-        <p:nvSpPr>
-          <p:cNvPr id="4" name="Footer Placeholder 3">
-            <a:extLst>
-              <a:ext uri="{FF2B5EF4-FFF2-40B4-BE49-F238E27FC236}">
-                <a16:creationId xmlns:a16="http://schemas.microsoft.com/office/drawing/2014/main" id="{C738F579-9AEC-3644-1BB6-F0DAE42C2472}"/>
-              </a:ext>
-            </a:extLst>
-          </p:cNvPr>
-          <p:cNvSpPr>
-            <a:spLocks noGrp="1"/>
-          </p:cNvSpPr>
-          <p:nvPr>
-            <p:ph type="ftr" sz="quarter" idx="11"/>
-          </p:nvPr>
-        </p:nvSpPr>
-        <p:spPr/>
-        <p:txBody>
-          <a:bodyPr/>
-          <a:lstStyle/>
-          <a:p>
-            <a:r>
-              <a:rPr lang="en-US"/>
-              <a:t>BDTM (N2MBA07), Dept of MBA, SIT - Tumkuru</a:t>
-            </a:r>
-            <a:endParaRPr lang="en-US" dirty="0"/>
-          </a:p>
-        </p:txBody>
-      </p:sp>
-    </p:spTree>
-    <p:extLst>
-      <p:ext uri="{BB962C8B-B14F-4D97-AF65-F5344CB8AC3E}">
-        <p14:creationId xmlns:p14="http://schemas.microsoft.com/office/powerpoint/2010/main" val="2620170522"/>
-      </p:ext>
-    </p:extLst>
-  </p:cSld>
-  <p:clrMapOvr>
-    <a:masterClrMapping/>
-  </p:clrMapOvr>
-</p:sld>
-</file>
-
-<file path=ppt/slides/slide30.xml><?xml version="1.0" encoding="utf-8"?>
+<file path=ppt/slides/slide34.xml><?xml version="1.0" encoding="utf-8"?>
 <p:sld xmlns:a="http://schemas.openxmlformats.org/drawingml/2006/main" xmlns:r="http://schemas.openxmlformats.org/officeDocument/2006/relationships" xmlns:p="http://schemas.openxmlformats.org/presentationml/2006/main">
   <p:cSld>
     <p:spTree>
@@ -40844,7 +42936,7 @@
         </p:nvSpPr>
         <p:spPr>
           <a:xfrm>
-            <a:off x="348343" y="1045030"/>
+            <a:off x="348343" y="879930"/>
             <a:ext cx="11615057" cy="4918869"/>
           </a:xfrm>
           <a:prstGeom prst="rect">
@@ -41021,57 +43113,69 @@
           </a:lstStyle>
           <a:p>
             <a:pPr marL="285750" indent="-285750"/>
-            <a:r>
-              <a:rPr lang="en-IN" sz="2200" dirty="0">
-                <a:latin typeface="+mj-lt"/>
-              </a:rPr>
-              <a:t>Most organizations today consider data and information to be their most valuable and differentiated asset.</a:t>
-            </a:r>
-          </a:p>
-          <a:p>
-            <a:pPr marL="285750" indent="-285750"/>
-            <a:endParaRPr lang="en-IN" sz="2200" dirty="0">
+            <a:endParaRPr lang="en-IN" sz="2200" b="1" dirty="0">
               <a:latin typeface="+mj-lt"/>
             </a:endParaRPr>
           </a:p>
           <a:p>
             <a:pPr marL="285750" indent="-285750"/>
             <a:r>
-              <a:rPr lang="en-IN" sz="2200" dirty="0">
+              <a:rPr lang="en-IN" sz="2200" b="1" dirty="0">
                 <a:latin typeface="+mj-lt"/>
               </a:rPr>
-              <a:t>By analysing this data effectively, organizations worldwide are now finding new ways to compete and emerge as leaders in their fields to improve decision making and enhance their productivity and performance.</a:t>
+              <a:t>Most organizations today consider data and information to be their most valuable and differentiated asset. </a:t>
             </a:r>
+            <a:r>
+              <a:rPr lang="en-US" sz="2200" b="1" dirty="0">
+                <a:latin typeface="+mj-lt"/>
+              </a:rPr>
+              <a:t>Big Data can unlock significant value by making information transparent.</a:t>
+            </a:r>
+            <a:endParaRPr lang="en-IN" sz="2200" b="1" dirty="0">
+              <a:latin typeface="+mj-lt"/>
+            </a:endParaRPr>
           </a:p>
           <a:p>
             <a:pPr marL="285750" indent="-285750"/>
-            <a:endParaRPr lang="en-IN" sz="2200" dirty="0">
+            <a:endParaRPr lang="en-IN" sz="2200" b="1" dirty="0">
               <a:latin typeface="+mj-lt"/>
             </a:endParaRPr>
           </a:p>
           <a:p>
             <a:pPr marL="285750" indent="-285750"/>
             <a:r>
-              <a:rPr lang="en-IN" sz="2200" dirty="0">
+              <a:rPr lang="en-US" sz="2200" b="1" dirty="0">
                 <a:latin typeface="+mj-lt"/>
               </a:rPr>
-              <a:t>At the same time, the volume and variety of data is also increasing at the immense rate every day. </a:t>
+              <a:t>Sophisticated analytics can improve decision-making, minimize risks, and unearth valuable insights that would otherwise remain hidden.</a:t>
             </a:r>
+            <a:endParaRPr lang="en-IN" sz="2200" b="1" dirty="0">
+              <a:latin typeface="+mj-lt"/>
+            </a:endParaRPr>
           </a:p>
           <a:p>
             <a:pPr marL="285750" indent="-285750"/>
-            <a:endParaRPr lang="en-IN" sz="2200" dirty="0">
+            <a:endParaRPr lang="en-IN" sz="2200" b="1" dirty="0">
               <a:latin typeface="+mj-lt"/>
             </a:endParaRPr>
           </a:p>
           <a:p>
             <a:pPr marL="285750" indent="-285750"/>
             <a:r>
-              <a:rPr lang="en-IN" sz="2200" dirty="0">
+              <a:rPr lang="en-IN" sz="2200" b="1" dirty="0">
                 <a:latin typeface="+mj-lt"/>
               </a:rPr>
-              <a:t>The global phenomena of using Big Data to gain business value and competitive advantage will only continue to grow as will the opportunities associated with it.</a:t>
+              <a:t>At the same time, the volume and variety of data is also increasing at the immense rate every day, so </a:t>
             </a:r>
+            <a:r>
+              <a:rPr lang="en-US" sz="2200" b="1" dirty="0">
+                <a:latin typeface="+mj-lt"/>
+              </a:rPr>
+              <a:t>big data can be used to develop the next generation of products and services.</a:t>
+            </a:r>
+            <a:endParaRPr lang="en-IN" sz="2200" b="1" dirty="0">
+              <a:latin typeface="+mj-lt"/>
+            </a:endParaRPr>
           </a:p>
         </p:txBody>
       </p:sp>
@@ -41127,7 +43231,7 @@
           <a:p>
             <a:fld id="{06FEDF93-2BFD-41CA-ABC7-B039102F3792}" type="slidenum">
               <a:rPr lang="en-US" smtClean="0"/>
-              <a:t>30</a:t>
+              <a:t>34</a:t>
             </a:fld>
             <a:endParaRPr lang="en-US" dirty="0"/>
           </a:p>
@@ -41175,7 +43279,7 @@
 </p:sld>
 </file>
 
-<file path=ppt/slides/slide31.xml><?xml version="1.0" encoding="utf-8"?>
+<file path=ppt/slides/slide35.xml><?xml version="1.0" encoding="utf-8"?>
 <p:sld xmlns:a="http://schemas.openxmlformats.org/drawingml/2006/main" xmlns:r="http://schemas.openxmlformats.org/officeDocument/2006/relationships" xmlns:p="http://schemas.openxmlformats.org/presentationml/2006/main">
   <p:cSld>
     <p:bg>
@@ -41878,7 +43982,7 @@
               <a:buChar char="•"/>
             </a:pPr>
             <a:r>
-              <a:rPr lang="en-US" sz="1600" dirty="0">
+              <a:rPr lang="en-US" sz="1600" b="1" dirty="0">
                 <a:latin typeface="+mj-lt"/>
                 <a:ea typeface="Verdana" panose="020B0604030504040204" pitchFamily="34" charset="0"/>
               </a:rPr>
@@ -41894,7 +43998,7 @@
               <a:buChar char="•"/>
             </a:pPr>
             <a:r>
-              <a:rPr lang="en-US" sz="1600" dirty="0">
+              <a:rPr lang="en-US" sz="1600" b="1" dirty="0">
                 <a:latin typeface="+mj-lt"/>
                 <a:ea typeface="Verdana" panose="020B0604030504040204" pitchFamily="34" charset="0"/>
               </a:rPr>
@@ -41939,7 +44043,7 @@
               <a:buChar char="•"/>
             </a:pPr>
             <a:r>
-              <a:rPr lang="en-US" sz="1600" dirty="0">
+              <a:rPr lang="en-US" sz="1600" b="1" dirty="0">
                 <a:latin typeface="+mj-lt"/>
                 <a:ea typeface="Verdana" panose="020B0604030504040204" pitchFamily="34" charset="0"/>
               </a:rPr>
@@ -41955,7 +44059,7 @@
               <a:buChar char="•"/>
             </a:pPr>
             <a:r>
-              <a:rPr lang="en-US" sz="1600" dirty="0">
+              <a:rPr lang="en-US" sz="1600" b="1" dirty="0">
                 <a:latin typeface="+mj-lt"/>
                 <a:ea typeface="Verdana" panose="020B0604030504040204" pitchFamily="34" charset="0"/>
               </a:rPr>
@@ -42000,7 +44104,7 @@
               <a:buChar char="•"/>
             </a:pPr>
             <a:r>
-              <a:rPr lang="en-US" sz="1600" dirty="0">
+              <a:rPr lang="en-US" sz="1600" b="1" dirty="0">
                 <a:latin typeface="+mj-lt"/>
                 <a:ea typeface="Verdana" panose="020B0604030504040204" pitchFamily="34" charset="0"/>
               </a:rPr>
@@ -42016,7 +44120,7 @@
               <a:buChar char="•"/>
             </a:pPr>
             <a:r>
-              <a:rPr lang="en-US" sz="1600" dirty="0">
+              <a:rPr lang="en-US" sz="1600" b="1" dirty="0">
                 <a:latin typeface="+mj-lt"/>
                 <a:ea typeface="Verdana" panose="020B0604030504040204" pitchFamily="34" charset="0"/>
               </a:rPr>
@@ -42686,7 +44790,7 @@
               <a:buChar char="•"/>
             </a:pPr>
             <a:r>
-              <a:rPr lang="en-US" sz="1600" dirty="0">
+              <a:rPr lang="en-US" sz="1600" b="1" dirty="0">
                 <a:latin typeface="+mj-lt"/>
                 <a:ea typeface="Verdana" panose="020B0604030504040204" pitchFamily="34" charset="0"/>
               </a:rPr>
@@ -42702,7 +44806,7 @@
               <a:buChar char="•"/>
             </a:pPr>
             <a:r>
-              <a:rPr lang="en-US" sz="1600" dirty="0">
+              <a:rPr lang="en-US" sz="1600" b="1" dirty="0">
                 <a:latin typeface="+mj-lt"/>
                 <a:ea typeface="Verdana" panose="020B0604030504040204" pitchFamily="34" charset="0"/>
               </a:rPr>
@@ -42747,7 +44851,7 @@
               <a:buChar char="•"/>
             </a:pPr>
             <a:r>
-              <a:rPr lang="en-US" sz="1600" dirty="0">
+              <a:rPr lang="en-US" sz="1600" b="1" dirty="0">
                 <a:latin typeface="+mj-lt"/>
                 <a:ea typeface="Verdana" panose="020B0604030504040204" pitchFamily="34" charset="0"/>
               </a:rPr>
@@ -42763,7 +44867,7 @@
               <a:buChar char="•"/>
             </a:pPr>
             <a:r>
-              <a:rPr lang="en-US" sz="1600" dirty="0">
+              <a:rPr lang="en-US" sz="1600" b="1" dirty="0">
                 <a:latin typeface="+mj-lt"/>
                 <a:ea typeface="Verdana" panose="020B0604030504040204" pitchFamily="34" charset="0"/>
               </a:rPr>
@@ -42808,7 +44912,7 @@
               <a:buChar char="•"/>
             </a:pPr>
             <a:r>
-              <a:rPr lang="en-US" sz="1600" dirty="0">
+              <a:rPr lang="en-US" sz="1600" b="1" dirty="0">
                 <a:latin typeface="+mj-lt"/>
                 <a:ea typeface="Verdana" panose="020B0604030504040204" pitchFamily="34" charset="0"/>
               </a:rPr>
@@ -42824,7 +44928,7 @@
               <a:buChar char="•"/>
             </a:pPr>
             <a:r>
-              <a:rPr lang="en-US" sz="1600" dirty="0">
+              <a:rPr lang="en-US" sz="1600" b="1" dirty="0">
                 <a:latin typeface="+mj-lt"/>
                 <a:ea typeface="Verdana" panose="020B0604030504040204" pitchFamily="34" charset="0"/>
               </a:rPr>
@@ -42869,7 +44973,7 @@
               <a:buChar char="•"/>
             </a:pPr>
             <a:r>
-              <a:rPr lang="en-US" sz="1600" dirty="0">
+              <a:rPr lang="en-US" sz="1600" b="1" dirty="0">
                 <a:latin typeface="+mj-lt"/>
                 <a:ea typeface="Verdana" panose="020B0604030504040204" pitchFamily="34" charset="0"/>
               </a:rPr>
@@ -42885,7 +44989,7 @@
               <a:buChar char="•"/>
             </a:pPr>
             <a:r>
-              <a:rPr lang="en-US" sz="1600" dirty="0">
+              <a:rPr lang="en-US" sz="1600" b="1" dirty="0">
                 <a:latin typeface="+mj-lt"/>
                 <a:ea typeface="Verdana" panose="020B0604030504040204" pitchFamily="34" charset="0"/>
               </a:rPr>
@@ -50688,20 +52792,20 @@
 </file>
 
 <file path=customXml/item1.xml><?xml version="1.0" encoding="utf-8"?>
+<p:properties xmlns:p="http://schemas.microsoft.com/office/2006/metadata/properties" xmlns:xsi="http://www.w3.org/2001/XMLSchema-instance" xmlns:pc="http://schemas.microsoft.com/office/infopath/2007/PartnerControls">
+  <documentManagement>
+    <MediaServiceKeyPoints xmlns="71af3243-3dd4-4a8d-8c0d-dd76da1f02a5" xsi:nil="true"/>
+  </documentManagement>
+</p:properties>
+</file>
+
+<file path=customXml/item2.xml><?xml version="1.0" encoding="utf-8"?>
 <?mso-contentType ?>
 <FormTemplates xmlns="http://schemas.microsoft.com/sharepoint/v3/contenttype/forms">
   <Display>DocumentLibraryForm</Display>
   <Edit>DocumentLibraryForm</Edit>
   <New>DocumentLibraryForm</New>
 </FormTemplates>
-</file>
-
-<file path=customXml/item2.xml><?xml version="1.0" encoding="utf-8"?>
-<p:properties xmlns:p="http://schemas.microsoft.com/office/2006/metadata/properties" xmlns:xsi="http://www.w3.org/2001/XMLSchema-instance" xmlns:pc="http://schemas.microsoft.com/office/infopath/2007/PartnerControls">
-  <documentManagement>
-    <MediaServiceKeyPoints xmlns="71af3243-3dd4-4a8d-8c0d-dd76da1f02a5" xsi:nil="true"/>
-  </documentManagement>
-</p:properties>
 </file>
 
 <file path=customXml/item3.xml><?xml version="1.0" encoding="utf-8"?>
@@ -50916,14 +53020,6 @@
 </file>
 
 <file path=customXml/itemProps1.xml><?xml version="1.0" encoding="utf-8"?>
-<ds:datastoreItem xmlns:ds="http://schemas.openxmlformats.org/officeDocument/2006/customXml" ds:itemID="{2FD05317-60D6-4B3A-8545-888496D1A8EC}">
-  <ds:schemaRefs>
-    <ds:schemaRef ds:uri="http://schemas.microsoft.com/sharepoint/v3/contenttype/forms"/>
-  </ds:schemaRefs>
-</ds:datastoreItem>
-</file>
-
-<file path=customXml/itemProps2.xml><?xml version="1.0" encoding="utf-8"?>
 <ds:datastoreItem xmlns:ds="http://schemas.openxmlformats.org/officeDocument/2006/customXml" ds:itemID="{EF609EDA-869E-4BE5-AE5D-B898C584B6FF}">
   <ds:schemaRefs>
     <ds:schemaRef ds:uri="http://www.w3.org/XML/1998/namespace"/>
@@ -50936,6 +53032,14 @@
     <ds:schemaRef ds:uri="http://schemas.microsoft.com/office/infopath/2007/PartnerControls"/>
     <ds:schemaRef ds:uri="http://schemas.openxmlformats.org/package/2006/metadata/core-properties"/>
     <ds:schemaRef ds:uri="http://purl.org/dc/terms/"/>
+  </ds:schemaRefs>
+</ds:datastoreItem>
+</file>
+
+<file path=customXml/itemProps2.xml><?xml version="1.0" encoding="utf-8"?>
+<ds:datastoreItem xmlns:ds="http://schemas.openxmlformats.org/officeDocument/2006/customXml" ds:itemID="{2FD05317-60D6-4B3A-8545-888496D1A8EC}">
+  <ds:schemaRefs>
+    <ds:schemaRef ds:uri="http://schemas.microsoft.com/sharepoint/v3/contenttype/forms"/>
   </ds:schemaRefs>
 </ds:datastoreItem>
 </file>
